--- a/Apache_Airflow_para_ETL.pptx
+++ b/Apache_Airflow_para_ETL.pptx
@@ -5,31 +5,32 @@
     <p:sldMasterId id="2147483648" r:id="rId1"/>
   </p:sldMasterIdLst>
   <p:notesMasterIdLst>
-    <p:notesMasterId r:id="rId24"/>
+    <p:notesMasterId r:id="rId25"/>
   </p:notesMasterIdLst>
   <p:sldIdLst>
     <p:sldId id="256" r:id="rId2"/>
     <p:sldId id="276" r:id="rId3"/>
     <p:sldId id="257" r:id="rId4"/>
     <p:sldId id="258" r:id="rId5"/>
-    <p:sldId id="277" r:id="rId6"/>
-    <p:sldId id="280" r:id="rId7"/>
-    <p:sldId id="281" r:id="rId8"/>
-    <p:sldId id="282" r:id="rId9"/>
-    <p:sldId id="259" r:id="rId10"/>
-    <p:sldId id="283" r:id="rId11"/>
-    <p:sldId id="260" r:id="rId12"/>
-    <p:sldId id="261" r:id="rId13"/>
-    <p:sldId id="262" r:id="rId14"/>
-    <p:sldId id="263" r:id="rId15"/>
-    <p:sldId id="268" r:id="rId16"/>
-    <p:sldId id="269" r:id="rId17"/>
-    <p:sldId id="270" r:id="rId18"/>
-    <p:sldId id="271" r:id="rId19"/>
-    <p:sldId id="272" r:id="rId20"/>
-    <p:sldId id="273" r:id="rId21"/>
-    <p:sldId id="274" r:id="rId22"/>
-    <p:sldId id="275" r:id="rId23"/>
+    <p:sldId id="284" r:id="rId6"/>
+    <p:sldId id="277" r:id="rId7"/>
+    <p:sldId id="280" r:id="rId8"/>
+    <p:sldId id="281" r:id="rId9"/>
+    <p:sldId id="282" r:id="rId10"/>
+    <p:sldId id="259" r:id="rId11"/>
+    <p:sldId id="283" r:id="rId12"/>
+    <p:sldId id="260" r:id="rId13"/>
+    <p:sldId id="261" r:id="rId14"/>
+    <p:sldId id="262" r:id="rId15"/>
+    <p:sldId id="263" r:id="rId16"/>
+    <p:sldId id="268" r:id="rId17"/>
+    <p:sldId id="269" r:id="rId18"/>
+    <p:sldId id="270" r:id="rId19"/>
+    <p:sldId id="271" r:id="rId20"/>
+    <p:sldId id="272" r:id="rId21"/>
+    <p:sldId id="273" r:id="rId22"/>
+    <p:sldId id="274" r:id="rId23"/>
+    <p:sldId id="275" r:id="rId24"/>
   </p:sldIdLst>
   <p:sldSz cx="11430000" cy="6673850"/>
   <p:notesSz cx="11430000" cy="6673850"/>
@@ -139,7 +140,7 @@
           <a:p>
             <a:fld id="{242A86CF-2F73-4BF7-97B4-3982B9AD49A0}" type="datetimeFigureOut">
               <a:rPr lang="es-ES" smtClean="0"/>
-              <a:t>22/04/2025</a:t>
+              <a:t>23/04/2025</a:t>
             </a:fld>
             <a:endParaRPr lang="es-ES"/>
           </a:p>
@@ -471,7 +472,7 @@
           <a:p>
             <a:fld id="{7F8C5FCA-86DE-4761-A13F-A5518EAC2D8C}" type="slidenum">
               <a:rPr lang="es-ES" smtClean="0"/>
-              <a:t>9</a:t>
+              <a:t>10</a:t>
             </a:fld>
             <a:endParaRPr lang="es-ES"/>
           </a:p>
@@ -673,7 +674,7 @@
           <a:p>
             <a:fld id="{1D8BD707-D9CF-40AE-B4C6-C98DA3205C09}" type="datetimeFigureOut">
               <a:rPr lang="en-US"/>
-              <a:t>4/22/2025</a:t>
+              <a:t>4/23/2025</a:t>
             </a:fld>
             <a:endParaRPr lang="en-US"/>
           </a:p>
@@ -906,7 +907,7 @@
           <a:p>
             <a:fld id="{1D8BD707-D9CF-40AE-B4C6-C98DA3205C09}" type="datetimeFigureOut">
               <a:rPr lang="en-US"/>
-              <a:t>4/22/2025</a:t>
+              <a:t>4/23/2025</a:t>
             </a:fld>
             <a:endParaRPr lang="en-US"/>
           </a:p>
@@ -1188,7 +1189,7 @@
           <a:p>
             <a:fld id="{1D8BD707-D9CF-40AE-B4C6-C98DA3205C09}" type="datetimeFigureOut">
               <a:rPr lang="en-US"/>
-              <a:t>4/22/2025</a:t>
+              <a:t>4/23/2025</a:t>
             </a:fld>
             <a:endParaRPr lang="en-US"/>
           </a:p>
@@ -1392,7 +1393,7 @@
           <a:p>
             <a:fld id="{1D8BD707-D9CF-40AE-B4C6-C98DA3205C09}" type="datetimeFigureOut">
               <a:rPr lang="en-US"/>
-              <a:t>4/22/2025</a:t>
+              <a:t>4/23/2025</a:t>
             </a:fld>
             <a:endParaRPr lang="en-US"/>
           </a:p>
@@ -1567,7 +1568,7 @@
           <a:p>
             <a:fld id="{1D8BD707-D9CF-40AE-B4C6-C98DA3205C09}" type="datetimeFigureOut">
               <a:rPr lang="en-US"/>
-              <a:t>4/22/2025</a:t>
+              <a:t>4/23/2025</a:t>
             </a:fld>
             <a:endParaRPr lang="en-US"/>
           </a:p>
@@ -1898,7 +1899,7 @@
           <a:p>
             <a:fld id="{1D8BD707-D9CF-40AE-B4C6-C98DA3205C09}" type="datetimeFigureOut">
               <a:rPr lang="en-US"/>
-              <a:t>4/22/2025</a:t>
+              <a:t>4/23/2025</a:t>
             </a:fld>
             <a:endParaRPr lang="en-US"/>
           </a:p>
@@ -2461,66 +2462,6 @@
           <a:chExt cx="0" cy="0"/>
         </a:xfrm>
       </p:grpSpPr>
-      <p:pic>
-        <p:nvPicPr>
-          <p:cNvPr id="7" name="Imagen 6">
-            <a:extLst>
-              <a:ext uri="{FF2B5EF4-FFF2-40B4-BE49-F238E27FC236}">
-                <a16:creationId xmlns:a16="http://schemas.microsoft.com/office/drawing/2014/main" id="{DB1E5EFA-00A3-4A0A-9A76-F0E3BF975921}"/>
-              </a:ext>
-            </a:extLst>
-          </p:cNvPr>
-          <p:cNvPicPr>
-            <a:picLocks noChangeAspect="1"/>
-          </p:cNvPicPr>
-          <p:nvPr/>
-        </p:nvPicPr>
-        <p:blipFill>
-          <a:blip r:embed="rId2"/>
-          <a:stretch>
-            <a:fillRect/>
-          </a:stretch>
-        </p:blipFill>
-        <p:spPr>
-          <a:xfrm>
-            <a:off x="1077828" y="242937"/>
-            <a:ext cx="9274344" cy="6187976"/>
-          </a:xfrm>
-          <a:prstGeom prst="rect">
-            <a:avLst/>
-          </a:prstGeom>
-        </p:spPr>
-      </p:pic>
-    </p:spTree>
-    <p:extLst>
-      <p:ext uri="{BB962C8B-B14F-4D97-AF65-F5344CB8AC3E}">
-        <p14:creationId xmlns:p14="http://schemas.microsoft.com/office/powerpoint/2010/main" val="504772278"/>
-      </p:ext>
-    </p:extLst>
-  </p:cSld>
-  <p:clrMapOvr>
-    <a:masterClrMapping/>
-  </p:clrMapOvr>
-</p:sld>
-</file>
-
-<file path=ppt/slides/slide11.xml><?xml version="1.0" encoding="utf-8"?>
-<p:sld xmlns:a="http://schemas.openxmlformats.org/drawingml/2006/main" xmlns:r="http://schemas.openxmlformats.org/officeDocument/2006/relationships" xmlns:p="http://schemas.openxmlformats.org/presentationml/2006/main">
-  <p:cSld>
-    <p:spTree>
-      <p:nvGrpSpPr>
-        <p:cNvPr id="1" name=""/>
-        <p:cNvGrpSpPr/>
-        <p:nvPr/>
-      </p:nvGrpSpPr>
-      <p:grpSpPr>
-        <a:xfrm>
-          <a:off x="0" y="0"/>
-          <a:ext cx="0" cy="0"/>
-          <a:chOff x="0" y="0"/>
-          <a:chExt cx="0" cy="0"/>
-        </a:xfrm>
-      </p:grpSpPr>
       <p:sp>
         <p:nvSpPr>
           <p:cNvPr id="8" name="object 8"/>
@@ -2534,21 +2475,243 @@
         <p:spPr>
           <a:xfrm>
             <a:off x="607060" y="1264164"/>
-            <a:ext cx="10215879" cy="4312551"/>
+            <a:ext cx="10215879" cy="4265680"/>
           </a:xfrm>
           <a:prstGeom prst="rect">
             <a:avLst/>
           </a:prstGeom>
         </p:spPr>
         <p:txBody>
-          <a:bodyPr vert="horz" wrap="square" lIns="0" tIns="305523" rIns="0" bIns="0" rtlCol="0">
+          <a:bodyPr vert="horz" wrap="square" lIns="0" tIns="394106" rIns="0" bIns="0" rtlCol="0">
             <a:spAutoFit/>
           </a:bodyPr>
           <a:lstStyle/>
           <a:p>
-            <a:pPr marL="1135380" marR="1381760" indent="-457200">
+            <a:pPr marL="977265" indent="-342900" algn="l">
+              <a:spcBef>
+                <a:spcPts val="90"/>
+              </a:spcBef>
+              <a:buFont typeface="Arial" panose="020B0604020202020204" pitchFamily="34" charset="0"/>
+              <a:buChar char="•"/>
+            </a:pPr>
+            <a:r>
+              <a:rPr lang="es-ES" sz="2450" b="1" spc="-20" dirty="0" err="1">
+                <a:latin typeface="Times New Roman"/>
+                <a:cs typeface="Times New Roman"/>
+              </a:rPr>
+              <a:t>Webserver</a:t>
+            </a:r>
+            <a:r>
+              <a:rPr lang="es-ES" sz="2450" b="1" spc="-20" dirty="0">
+                <a:latin typeface="Times New Roman"/>
+                <a:cs typeface="Times New Roman"/>
+              </a:rPr>
+              <a:t>:</a:t>
+            </a:r>
+            <a:r>
+              <a:rPr lang="es-ES" sz="2450" b="1" spc="-65" dirty="0">
+                <a:latin typeface="Times New Roman"/>
+                <a:cs typeface="Times New Roman"/>
+              </a:rPr>
+              <a:t> </a:t>
+            </a:r>
+            <a:r>
+              <a:rPr lang="es-ES" sz="2450" dirty="0"/>
+              <a:t>Proporciona</a:t>
+            </a:r>
+            <a:r>
+              <a:rPr lang="es-ES" sz="2450" spc="-60" dirty="0"/>
+              <a:t> </a:t>
+            </a:r>
+            <a:r>
+              <a:rPr lang="es-ES" sz="2450" dirty="0"/>
+              <a:t>la</a:t>
+            </a:r>
+            <a:r>
+              <a:rPr lang="es-ES" sz="2450" spc="-65" dirty="0"/>
+              <a:t> </a:t>
+            </a:r>
+            <a:r>
+              <a:rPr lang="es-ES" sz="2450" dirty="0"/>
+              <a:t>interfaz</a:t>
+            </a:r>
+            <a:r>
+              <a:rPr lang="es-ES" sz="2450" spc="-60" dirty="0"/>
+              <a:t> </a:t>
+            </a:r>
+            <a:r>
+              <a:rPr lang="es-ES" sz="2450" dirty="0"/>
+              <a:t>de</a:t>
+            </a:r>
+            <a:r>
+              <a:rPr lang="es-ES" sz="2450" spc="-65" dirty="0"/>
+              <a:t> </a:t>
+            </a:r>
+            <a:r>
+              <a:rPr lang="es-ES" sz="2450" dirty="0"/>
+              <a:t>usuario</a:t>
+            </a:r>
+            <a:r>
+              <a:rPr lang="es-ES" sz="2450" spc="-60" dirty="0"/>
+              <a:t> </a:t>
+            </a:r>
+            <a:r>
+              <a:rPr lang="es-ES" sz="2450" dirty="0"/>
+              <a:t>para</a:t>
+            </a:r>
+            <a:r>
+              <a:rPr lang="es-ES" sz="2450" spc="-60" dirty="0"/>
+              <a:t> </a:t>
+            </a:r>
+            <a:r>
+              <a:rPr lang="es-ES" sz="2450" dirty="0"/>
+              <a:t>visualizar</a:t>
+            </a:r>
+            <a:r>
+              <a:rPr lang="es-ES" sz="2450" spc="-65" dirty="0"/>
+              <a:t> </a:t>
+            </a:r>
+            <a:r>
+              <a:rPr lang="es-ES" sz="2450" dirty="0"/>
+              <a:t>y</a:t>
+            </a:r>
+            <a:r>
+              <a:rPr lang="es-ES" sz="2450" spc="-60" dirty="0"/>
+              <a:t> </a:t>
+            </a:r>
+            <a:r>
+              <a:rPr lang="es-ES" sz="2450" spc="-10" dirty="0"/>
+              <a:t>administrar </a:t>
+            </a:r>
+            <a:r>
+              <a:rPr lang="es-ES" sz="2450" spc="-20" dirty="0" err="1"/>
+              <a:t>DAGs</a:t>
+            </a:r>
+            <a:r>
+              <a:rPr lang="es-ES" sz="2450" spc="-20" dirty="0"/>
+              <a:t> (</a:t>
+            </a:r>
+            <a:r>
+              <a:rPr lang="es-ES" sz="2450" spc="-20" dirty="0" err="1"/>
+              <a:t>Flask</a:t>
+            </a:r>
+            <a:r>
+              <a:rPr lang="es-ES" sz="2450" spc="-20" dirty="0"/>
+              <a:t> y </a:t>
+            </a:r>
+            <a:r>
+              <a:rPr lang="es-ES" sz="2450" spc="-20" dirty="0" err="1"/>
+              <a:t>Gunicorn</a:t>
+            </a:r>
+            <a:r>
+              <a:rPr lang="es-ES" sz="2450" spc="-20" dirty="0"/>
+              <a:t>)</a:t>
+            </a:r>
+          </a:p>
+          <a:p>
+            <a:pPr marL="977265" indent="-342900" algn="l">
+              <a:spcBef>
+                <a:spcPts val="90"/>
+              </a:spcBef>
+              <a:buFont typeface="Arial" panose="020B0604020202020204" pitchFamily="34" charset="0"/>
+              <a:buChar char="•"/>
+            </a:pPr>
+            <a:r>
+              <a:rPr lang="es-ES" sz="2450" b="1" dirty="0" err="1">
+                <a:latin typeface="Times New Roman"/>
+                <a:cs typeface="Times New Roman"/>
+              </a:rPr>
+              <a:t>Metadata</a:t>
+            </a:r>
+            <a:r>
+              <a:rPr lang="es-ES" sz="2450" b="1" spc="-120" dirty="0">
+                <a:latin typeface="Times New Roman"/>
+                <a:cs typeface="Times New Roman"/>
+              </a:rPr>
+              <a:t> </a:t>
+            </a:r>
+            <a:r>
+              <a:rPr lang="es-ES" sz="2450" b="1" spc="-20" dirty="0" err="1">
+                <a:latin typeface="Times New Roman"/>
+                <a:cs typeface="Times New Roman"/>
+              </a:rPr>
+              <a:t>Database</a:t>
+            </a:r>
+            <a:r>
+              <a:rPr lang="es-ES" sz="2450" b="1" spc="-20" dirty="0">
+                <a:latin typeface="Times New Roman"/>
+                <a:cs typeface="Times New Roman"/>
+              </a:rPr>
+              <a:t>:</a:t>
+            </a:r>
+            <a:r>
+              <a:rPr lang="es-ES" sz="2450" b="1" spc="-140" dirty="0">
+                <a:latin typeface="Times New Roman"/>
+                <a:cs typeface="Times New Roman"/>
+              </a:rPr>
+              <a:t> </a:t>
+            </a:r>
+            <a:r>
+              <a:rPr lang="es-ES" sz="2450" dirty="0"/>
+              <a:t>Almacena</a:t>
+            </a:r>
+            <a:r>
+              <a:rPr lang="es-ES" sz="2450" spc="-65" dirty="0"/>
+              <a:t> </a:t>
+            </a:r>
+            <a:r>
+              <a:rPr lang="es-ES" sz="2450" dirty="0"/>
+              <a:t>información</a:t>
+            </a:r>
+            <a:r>
+              <a:rPr lang="es-ES" sz="2450" spc="-70" dirty="0"/>
+              <a:t> </a:t>
+            </a:r>
+            <a:r>
+              <a:rPr lang="es-ES" sz="2450" dirty="0"/>
+              <a:t>sobre</a:t>
+            </a:r>
+            <a:r>
+              <a:rPr lang="es-ES" sz="2450" spc="-65" dirty="0"/>
+              <a:t> </a:t>
+            </a:r>
+            <a:r>
+              <a:rPr lang="es-ES" sz="2450" dirty="0" err="1"/>
+              <a:t>DAGs</a:t>
+            </a:r>
+            <a:r>
+              <a:rPr lang="es-ES" sz="2450" dirty="0"/>
+              <a:t>,</a:t>
+            </a:r>
+            <a:r>
+              <a:rPr lang="es-ES" sz="2450" spc="-70" dirty="0"/>
+              <a:t> </a:t>
+            </a:r>
+            <a:r>
+              <a:rPr lang="es-ES" sz="2450" dirty="0"/>
+              <a:t>tareas</a:t>
+            </a:r>
+            <a:r>
+              <a:rPr lang="es-ES" sz="2450" spc="-65" dirty="0"/>
+              <a:t> </a:t>
+            </a:r>
+            <a:r>
+              <a:rPr lang="es-ES" sz="2450" spc="-50" dirty="0"/>
+              <a:t>y </a:t>
+            </a:r>
+            <a:r>
+              <a:rPr lang="es-ES" sz="2450" spc="-10" dirty="0"/>
+              <a:t>ejecuciones</a:t>
+            </a:r>
+            <a:endParaRPr lang="es-ES" sz="2450" b="1" dirty="0">
+              <a:latin typeface="Times New Roman"/>
+              <a:cs typeface="Times New Roman"/>
+            </a:endParaRPr>
+          </a:p>
+          <a:p>
+            <a:pPr marL="977265" indent="-342900" algn="l">
               <a:lnSpc>
-                <a:spcPct val="118400"/>
+                <a:spcPct val="100000"/>
               </a:lnSpc>
               <a:spcBef>
                 <a:spcPts val="90"/>
@@ -2557,32 +2720,75 @@
               <a:buChar char="•"/>
             </a:pPr>
             <a:r>
-              <a:rPr lang="es-ES" sz="2750" b="1" dirty="0" err="1">
-                <a:latin typeface="Times New Roman"/>
-                <a:cs typeface="Times New Roman"/>
-              </a:rPr>
-              <a:t>SequentialExecutor</a:t>
-            </a:r>
-            <a:r>
-              <a:rPr lang="es-ES" sz="2750" b="1" dirty="0">
-                <a:latin typeface="Times New Roman"/>
-                <a:cs typeface="Times New Roman"/>
-              </a:rPr>
-              <a:t>: </a:t>
-            </a:r>
-            <a:r>
-              <a:rPr lang="es-ES" sz="2750" dirty="0">
-                <a:latin typeface="Times New Roman"/>
-                <a:cs typeface="Times New Roman"/>
-              </a:rPr>
-              <a:t>Ejecuta tareas secuencialmente </a:t>
-            </a:r>
-          </a:p>
-          <a:p>
-            <a:pPr marL="1135380" marR="1381760" indent="-457200">
-              <a:lnSpc>
-                <a:spcPct val="118400"/>
-              </a:lnSpc>
+              <a:rPr sz="2450" b="1" dirty="0">
+                <a:latin typeface="Times New Roman"/>
+                <a:cs typeface="Times New Roman"/>
+              </a:rPr>
+              <a:t>Scheduler:</a:t>
+            </a:r>
+            <a:r>
+              <a:rPr sz="2450" b="1" spc="-80" dirty="0">
+                <a:latin typeface="Times New Roman"/>
+                <a:cs typeface="Times New Roman"/>
+              </a:rPr>
+              <a:t> </a:t>
+            </a:r>
+            <a:r>
+              <a:rPr sz="2450" dirty="0"/>
+              <a:t>Monitorea</a:t>
+            </a:r>
+            <a:r>
+              <a:rPr sz="2450" spc="-80" dirty="0"/>
+              <a:t> </a:t>
+            </a:r>
+            <a:r>
+              <a:rPr sz="2450" dirty="0"/>
+              <a:t>DAGs</a:t>
+            </a:r>
+            <a:r>
+              <a:rPr sz="2450" spc="-80" dirty="0"/>
+              <a:t> </a:t>
+            </a:r>
+            <a:r>
+              <a:rPr sz="2450" dirty="0"/>
+              <a:t>y</a:t>
+            </a:r>
+            <a:r>
+              <a:rPr sz="2450" spc="-80" dirty="0"/>
+              <a:t> </a:t>
+            </a:r>
+            <a:r>
+              <a:rPr sz="2450" dirty="0"/>
+              <a:t>activa</a:t>
+            </a:r>
+            <a:r>
+              <a:rPr sz="2450" spc="-80" dirty="0"/>
+              <a:t> </a:t>
+            </a:r>
+            <a:r>
+              <a:rPr sz="2450" dirty="0"/>
+              <a:t>ejecuciones</a:t>
+            </a:r>
+            <a:r>
+              <a:rPr sz="2450" spc="-80" dirty="0"/>
+              <a:t> </a:t>
+            </a:r>
+            <a:r>
+              <a:rPr sz="2450" dirty="0" err="1"/>
+              <a:t>según</a:t>
+            </a:r>
+            <a:r>
+              <a:rPr sz="2450" spc="-75" dirty="0"/>
+              <a:t> </a:t>
+            </a:r>
+            <a:r>
+              <a:rPr sz="2450" spc="-10" dirty="0" err="1"/>
+              <a:t>programación</a:t>
+            </a:r>
+            <a:endParaRPr lang="es-ES" sz="2450" spc="-10" dirty="0"/>
+          </a:p>
+          <a:p>
+            <a:pPr marL="977265" indent="-342900" algn="l">
               <a:spcBef>
                 <a:spcPts val="90"/>
               </a:spcBef>
@@ -2590,178 +2796,200 @@
               <a:buChar char="•"/>
             </a:pPr>
             <a:r>
-              <a:rPr lang="es-ES" sz="2750" b="1" dirty="0" err="1">
-                <a:latin typeface="Times New Roman"/>
-                <a:cs typeface="Times New Roman"/>
-              </a:rPr>
-              <a:t>LocalExecutor</a:t>
-            </a:r>
-            <a:r>
-              <a:rPr lang="es-ES" sz="2750" b="1" dirty="0">
-                <a:latin typeface="Times New Roman"/>
-                <a:cs typeface="Times New Roman"/>
-              </a:rPr>
-              <a:t>:</a:t>
-            </a:r>
-            <a:r>
-              <a:rPr lang="es-ES" sz="2750" dirty="0">
-                <a:latin typeface="Times New Roman"/>
-                <a:cs typeface="Times New Roman"/>
-              </a:rPr>
-              <a:t> Ejecuta tareas en paralelo en una sola máquina </a:t>
-            </a:r>
-          </a:p>
-          <a:p>
-            <a:pPr marL="1135380" marR="1381760" indent="-457200">
+              <a:rPr lang="es-ES" sz="2450" b="1" spc="-10" dirty="0" err="1">
+                <a:latin typeface="Times New Roman"/>
+                <a:cs typeface="Times New Roman"/>
+              </a:rPr>
+              <a:t>Queue</a:t>
+            </a:r>
+            <a:r>
+              <a:rPr lang="es-ES" sz="2450" spc="-10" dirty="0">
+                <a:latin typeface="Times New Roman"/>
+                <a:cs typeface="Times New Roman"/>
+              </a:rPr>
+              <a:t>: Responsable de mantener </a:t>
+            </a:r>
+            <a:r>
+              <a:rPr lang="es-ES" sz="2450" spc="-10" dirty="0"/>
+              <a:t>el orden en la ejecución de las tareas</a:t>
+            </a:r>
+            <a:endParaRPr sz="2450" dirty="0">
+              <a:latin typeface="Times New Roman"/>
+              <a:cs typeface="Times New Roman"/>
+            </a:endParaRPr>
+          </a:p>
+          <a:p>
+            <a:pPr marL="977265" indent="-342900" algn="l">
               <a:lnSpc>
-                <a:spcPct val="118400"/>
+                <a:spcPct val="100000"/>
               </a:lnSpc>
               <a:spcBef>
-                <a:spcPts val="90"/>
+                <a:spcPts val="1660"/>
               </a:spcBef>
               <a:buFont typeface="Arial" panose="020B0604020202020204" pitchFamily="34" charset="0"/>
               <a:buChar char="•"/>
             </a:pPr>
             <a:r>
-              <a:rPr lang="es-ES" sz="2750" b="1" dirty="0" err="1">
-                <a:latin typeface="Times New Roman"/>
-                <a:cs typeface="Times New Roman"/>
-              </a:rPr>
-              <a:t>CeleryExecutor</a:t>
-            </a:r>
-            <a:r>
-              <a:rPr lang="es-ES" sz="2750" b="1" dirty="0">
-                <a:latin typeface="Times New Roman"/>
-                <a:cs typeface="Times New Roman"/>
-              </a:rPr>
-              <a:t>: </a:t>
-            </a:r>
-            <a:r>
-              <a:rPr lang="es-ES" sz="2750" dirty="0">
-                <a:latin typeface="Times New Roman"/>
-                <a:cs typeface="Times New Roman"/>
-              </a:rPr>
-              <a:t>Distribuye tareas entre múltiples </a:t>
-            </a:r>
-            <a:r>
-              <a:rPr lang="es-ES" sz="2750" dirty="0" err="1">
-                <a:latin typeface="Times New Roman"/>
-                <a:cs typeface="Times New Roman"/>
-              </a:rPr>
-              <a:t>workers</a:t>
-            </a:r>
-            <a:r>
-              <a:rPr lang="es-ES" sz="2750" dirty="0">
-                <a:latin typeface="Times New Roman"/>
-                <a:cs typeface="Times New Roman"/>
-              </a:rPr>
-              <a:t> </a:t>
-            </a:r>
-          </a:p>
-          <a:p>
-            <a:pPr marL="1135380" marR="1381760" indent="-457200">
+              <a:rPr sz="2450" b="1" dirty="0">
+                <a:latin typeface="Times New Roman"/>
+                <a:cs typeface="Times New Roman"/>
+              </a:rPr>
+              <a:t>Executor:</a:t>
+            </a:r>
+            <a:r>
+              <a:rPr sz="2450" b="1" spc="-75" dirty="0">
+                <a:latin typeface="Times New Roman"/>
+                <a:cs typeface="Times New Roman"/>
+              </a:rPr>
+              <a:t> </a:t>
+            </a:r>
+            <a:r>
+              <a:rPr sz="2450" dirty="0"/>
+              <a:t>Determina</a:t>
+            </a:r>
+            <a:r>
+              <a:rPr sz="2450" spc="-70" dirty="0"/>
+              <a:t> </a:t>
+            </a:r>
+            <a:r>
+              <a:rPr sz="2450" dirty="0"/>
+              <a:t>cómo</a:t>
+            </a:r>
+            <a:r>
+              <a:rPr sz="2450" spc="-70" dirty="0"/>
+              <a:t> </a:t>
+            </a:r>
+            <a:r>
+              <a:rPr sz="2450" dirty="0"/>
+              <a:t>se</a:t>
+            </a:r>
+            <a:r>
+              <a:rPr sz="2450" spc="-75" dirty="0"/>
+              <a:t> </a:t>
+            </a:r>
+            <a:r>
+              <a:rPr sz="2450" dirty="0"/>
+              <a:t>ejecutan</a:t>
+            </a:r>
+            <a:r>
+              <a:rPr sz="2450" spc="-70" dirty="0"/>
+              <a:t> </a:t>
+            </a:r>
+            <a:r>
+              <a:rPr sz="2450" dirty="0"/>
+              <a:t>las</a:t>
+            </a:r>
+            <a:r>
+              <a:rPr sz="2450" spc="-75" dirty="0"/>
+              <a:t> </a:t>
+            </a:r>
+            <a:r>
+              <a:rPr sz="2450" dirty="0"/>
+              <a:t>tareas</a:t>
+            </a:r>
+            <a:r>
+              <a:rPr sz="2450" spc="-70" dirty="0"/>
+              <a:t> </a:t>
+            </a:r>
+            <a:r>
+              <a:rPr sz="2450" dirty="0"/>
+              <a:t>(local,</a:t>
+            </a:r>
+            <a:r>
+              <a:rPr sz="2450" spc="-70" dirty="0"/>
+              <a:t> </a:t>
+            </a:r>
+            <a:r>
+              <a:rPr sz="2450" spc="-20" dirty="0"/>
+              <a:t>Celery,</a:t>
+            </a:r>
+            <a:r>
+              <a:rPr sz="2450" spc="-75" dirty="0"/>
+              <a:t> </a:t>
+            </a:r>
+            <a:r>
+              <a:rPr sz="2450" spc="-10" dirty="0"/>
+              <a:t>Kubernetes)</a:t>
+            </a:r>
+            <a:endParaRPr lang="es-ES" sz="2450" spc="-10" dirty="0"/>
+          </a:p>
+          <a:p>
+            <a:pPr marL="977265" indent="-342900" algn="l">
               <a:lnSpc>
-                <a:spcPct val="118400"/>
+                <a:spcPct val="100000"/>
               </a:lnSpc>
               <a:spcBef>
-                <a:spcPts val="90"/>
+                <a:spcPts val="1735"/>
               </a:spcBef>
               <a:buFont typeface="Arial" panose="020B0604020202020204" pitchFamily="34" charset="0"/>
               <a:buChar char="•"/>
             </a:pPr>
             <a:r>
-              <a:rPr lang="es-ES" sz="2750" b="1" dirty="0" err="1">
-                <a:latin typeface="Times New Roman"/>
-                <a:cs typeface="Times New Roman"/>
-              </a:rPr>
-              <a:t>KubernetesExecutor</a:t>
-            </a:r>
-            <a:r>
-              <a:rPr lang="es-ES" sz="2750" b="1" dirty="0">
-                <a:latin typeface="Times New Roman"/>
-                <a:cs typeface="Times New Roman"/>
-              </a:rPr>
-              <a:t>: </a:t>
-            </a:r>
-            <a:r>
-              <a:rPr lang="es-ES" sz="2750" dirty="0">
-                <a:latin typeface="Times New Roman"/>
-                <a:cs typeface="Times New Roman"/>
-              </a:rPr>
-              <a:t>Ejecuta cada tarea en un </a:t>
-            </a:r>
-            <a:r>
-              <a:rPr lang="es-ES" sz="2750" dirty="0" err="1">
-                <a:latin typeface="Times New Roman"/>
-                <a:cs typeface="Times New Roman"/>
-              </a:rPr>
-              <a:t>pod</a:t>
-            </a:r>
-            <a:r>
-              <a:rPr lang="es-ES" sz="2750" dirty="0">
-                <a:latin typeface="Times New Roman"/>
-                <a:cs typeface="Times New Roman"/>
-              </a:rPr>
-              <a:t> de </a:t>
-            </a:r>
-            <a:r>
-              <a:rPr lang="es-ES" sz="2750" dirty="0" err="1">
-                <a:latin typeface="Times New Roman"/>
-                <a:cs typeface="Times New Roman"/>
-              </a:rPr>
-              <a:t>Kubernetes</a:t>
-            </a:r>
-            <a:endParaRPr lang="es-ES" sz="2750" dirty="0">
+              <a:rPr sz="2450" b="1" spc="-20" dirty="0">
+                <a:latin typeface="Times New Roman"/>
+                <a:cs typeface="Times New Roman"/>
+              </a:rPr>
+              <a:t>Workers:</a:t>
+            </a:r>
+            <a:r>
+              <a:rPr sz="2450" b="1" spc="-70" dirty="0">
+                <a:latin typeface="Times New Roman"/>
+                <a:cs typeface="Times New Roman"/>
+              </a:rPr>
+              <a:t> </a:t>
+            </a:r>
+            <a:r>
+              <a:rPr sz="2450" dirty="0"/>
+              <a:t>Procesos</a:t>
+            </a:r>
+            <a:r>
+              <a:rPr sz="2450" spc="-65" dirty="0"/>
+              <a:t> </a:t>
+            </a:r>
+            <a:r>
+              <a:rPr sz="2450" dirty="0"/>
+              <a:t>que</a:t>
+            </a:r>
+            <a:r>
+              <a:rPr sz="2450" spc="-65" dirty="0"/>
+              <a:t> </a:t>
+            </a:r>
+            <a:r>
+              <a:rPr sz="2450" dirty="0"/>
+              <a:t>ejecutan</a:t>
+            </a:r>
+            <a:r>
+              <a:rPr sz="2450" spc="-65" dirty="0"/>
+              <a:t> </a:t>
+            </a:r>
+            <a:r>
+              <a:rPr sz="2450" dirty="0"/>
+              <a:t>las</a:t>
+            </a:r>
+            <a:r>
+              <a:rPr sz="2450" spc="-65" dirty="0"/>
+              <a:t> </a:t>
+            </a:r>
+            <a:r>
+              <a:rPr sz="2450" dirty="0" err="1"/>
+              <a:t>tareas</a:t>
+            </a:r>
+            <a:r>
+              <a:rPr sz="2450" spc="-65" dirty="0"/>
+              <a:t> </a:t>
+            </a:r>
+            <a:r>
+              <a:rPr sz="2450" spc="-10" dirty="0" err="1"/>
+              <a:t>asignadas</a:t>
+            </a:r>
+            <a:r>
+              <a:rPr lang="es-ES" sz="2450" spc="-10" dirty="0"/>
+              <a:t>.</a:t>
+            </a:r>
+            <a:endParaRPr sz="2450" dirty="0">
               <a:latin typeface="Times New Roman"/>
               <a:cs typeface="Times New Roman"/>
             </a:endParaRPr>
-          </a:p>
-          <a:p>
-            <a:pPr marL="1135380" marR="1381760" indent="-457200">
-              <a:lnSpc>
-                <a:spcPct val="118400"/>
-              </a:lnSpc>
-              <a:spcBef>
-                <a:spcPts val="90"/>
-              </a:spcBef>
-              <a:buFont typeface="Arial" panose="020B0604020202020204" pitchFamily="34" charset="0"/>
-              <a:buChar char="•"/>
-            </a:pPr>
-            <a:r>
-              <a:rPr lang="es-ES" sz="2750" b="1" dirty="0" err="1">
-                <a:latin typeface="Times New Roman"/>
-                <a:cs typeface="Times New Roman"/>
-              </a:rPr>
-              <a:t>DaskExecutor</a:t>
-            </a:r>
-            <a:r>
-              <a:rPr lang="es-ES" sz="2750" b="1" dirty="0">
-                <a:latin typeface="Times New Roman"/>
-                <a:cs typeface="Times New Roman"/>
-              </a:rPr>
-              <a:t>: </a:t>
-            </a:r>
-            <a:r>
-              <a:rPr lang="es-ES" sz="2750" dirty="0">
-                <a:latin typeface="Times New Roman"/>
-                <a:cs typeface="Times New Roman"/>
-              </a:rPr>
-              <a:t>Utiliza </a:t>
-            </a:r>
-            <a:r>
-              <a:rPr lang="es-ES" sz="2750" dirty="0" err="1">
-                <a:latin typeface="Times New Roman"/>
-                <a:cs typeface="Times New Roman"/>
-              </a:rPr>
-              <a:t>Dask</a:t>
-            </a:r>
-            <a:r>
-              <a:rPr lang="es-ES" sz="2750" dirty="0">
-                <a:latin typeface="Times New Roman"/>
-                <a:cs typeface="Times New Roman"/>
-              </a:rPr>
-              <a:t> para distribuir tareas</a:t>
-            </a:r>
           </a:p>
         </p:txBody>
       </p:sp>
@@ -2786,7 +3014,7 @@
           </a:bodyPr>
           <a:lstStyle/>
           <a:p>
-            <a:pPr marL="1593850">
+            <a:pPr marL="958215">
               <a:lnSpc>
                 <a:spcPct val="100000"/>
               </a:lnSpc>
@@ -2796,10 +3024,10 @@
             </a:pPr>
             <a:r>
               <a:rPr dirty="0"/>
-              <a:t>Tipos</a:t>
-            </a:r>
-            <a:r>
-              <a:rPr spc="-120" dirty="0"/>
+              <a:t>Arquitectura</a:t>
+            </a:r>
+            <a:r>
+              <a:rPr spc="-30" dirty="0"/>
               <a:t> </a:t>
             </a:r>
             <a:r>
@@ -2807,14 +3035,13 @@
               <a:t>de</a:t>
             </a:r>
             <a:r>
-              <a:rPr spc="-110" dirty="0"/>
-              <a:t> </a:t>
-            </a:r>
-            <a:r>
-              <a:rPr lang="es-ES" spc="-10" dirty="0" err="1"/>
-              <a:t>Executors</a:t>
-            </a:r>
-            <a:endParaRPr spc="-10" dirty="0"/>
+              <a:rPr spc="-345" dirty="0"/>
+              <a:t> </a:t>
+            </a:r>
+            <a:r>
+              <a:rPr spc="-10" dirty="0"/>
+              <a:t>Airflow</a:t>
+            </a:r>
           </a:p>
         </p:txBody>
       </p:sp>
@@ -2958,7 +3185,7 @@
             </a:pPr>
             <a:fld id="{81D60167-4931-47E6-BA6A-407CBD079E47}" type="slidenum">
               <a:rPr dirty="0"/>
-              <a:t>11</a:t>
+              <a:t>10</a:t>
             </a:fld>
             <a:r>
               <a:rPr spc="225" dirty="0"/>
@@ -2987,7 +3214,550 @@
 </p:sld>
 </file>
 
+<file path=ppt/slides/slide11.xml><?xml version="1.0" encoding="utf-8"?>
+<p:sld xmlns:a="http://schemas.openxmlformats.org/drawingml/2006/main" xmlns:r="http://schemas.openxmlformats.org/officeDocument/2006/relationships" xmlns:p="http://schemas.openxmlformats.org/presentationml/2006/main">
+  <p:cSld>
+    <p:spTree>
+      <p:nvGrpSpPr>
+        <p:cNvPr id="1" name=""/>
+        <p:cNvGrpSpPr/>
+        <p:nvPr/>
+      </p:nvGrpSpPr>
+      <p:grpSpPr>
+        <a:xfrm>
+          <a:off x="0" y="0"/>
+          <a:ext cx="0" cy="0"/>
+          <a:chOff x="0" y="0"/>
+          <a:chExt cx="0" cy="0"/>
+        </a:xfrm>
+      </p:grpSpPr>
+      <p:pic>
+        <p:nvPicPr>
+          <p:cNvPr id="7" name="Imagen 6">
+            <a:extLst>
+              <a:ext uri="{FF2B5EF4-FFF2-40B4-BE49-F238E27FC236}">
+                <a16:creationId xmlns:a16="http://schemas.microsoft.com/office/drawing/2014/main" id="{DB1E5EFA-00A3-4A0A-9A76-F0E3BF975921}"/>
+              </a:ext>
+            </a:extLst>
+          </p:cNvPr>
+          <p:cNvPicPr>
+            <a:picLocks noChangeAspect="1"/>
+          </p:cNvPicPr>
+          <p:nvPr/>
+        </p:nvPicPr>
+        <p:blipFill>
+          <a:blip r:embed="rId2"/>
+          <a:stretch>
+            <a:fillRect/>
+          </a:stretch>
+        </p:blipFill>
+        <p:spPr>
+          <a:xfrm>
+            <a:off x="1077828" y="242937"/>
+            <a:ext cx="9274344" cy="6187976"/>
+          </a:xfrm>
+          <a:prstGeom prst="rect">
+            <a:avLst/>
+          </a:prstGeom>
+        </p:spPr>
+      </p:pic>
+    </p:spTree>
+    <p:extLst>
+      <p:ext uri="{BB962C8B-B14F-4D97-AF65-F5344CB8AC3E}">
+        <p14:creationId xmlns:p14="http://schemas.microsoft.com/office/powerpoint/2010/main" val="504772278"/>
+      </p:ext>
+    </p:extLst>
+  </p:cSld>
+  <p:clrMapOvr>
+    <a:masterClrMapping/>
+  </p:clrMapOvr>
+</p:sld>
+</file>
+
 <file path=ppt/slides/slide12.xml><?xml version="1.0" encoding="utf-8"?>
+<p:sld xmlns:a="http://schemas.openxmlformats.org/drawingml/2006/main" xmlns:r="http://schemas.openxmlformats.org/officeDocument/2006/relationships" xmlns:p="http://schemas.openxmlformats.org/presentationml/2006/main">
+  <p:cSld>
+    <p:spTree>
+      <p:nvGrpSpPr>
+        <p:cNvPr id="1" name=""/>
+        <p:cNvGrpSpPr/>
+        <p:nvPr/>
+      </p:nvGrpSpPr>
+      <p:grpSpPr>
+        <a:xfrm>
+          <a:off x="0" y="0"/>
+          <a:ext cx="0" cy="0"/>
+          <a:chOff x="0" y="0"/>
+          <a:chExt cx="0" cy="0"/>
+        </a:xfrm>
+      </p:grpSpPr>
+      <p:sp>
+        <p:nvSpPr>
+          <p:cNvPr id="8" name="object 8"/>
+          <p:cNvSpPr txBox="1">
+            <a:spLocks noGrp="1"/>
+          </p:cNvSpPr>
+          <p:nvPr>
+            <p:ph type="body" idx="1"/>
+          </p:nvPr>
+        </p:nvSpPr>
+        <p:spPr>
+          <a:xfrm>
+            <a:off x="607060" y="1264164"/>
+            <a:ext cx="10215879" cy="4312551"/>
+          </a:xfrm>
+          <a:prstGeom prst="rect">
+            <a:avLst/>
+          </a:prstGeom>
+        </p:spPr>
+        <p:txBody>
+          <a:bodyPr vert="horz" wrap="square" lIns="0" tIns="305523" rIns="0" bIns="0" rtlCol="0">
+            <a:spAutoFit/>
+          </a:bodyPr>
+          <a:lstStyle/>
+          <a:p>
+            <a:pPr marL="1135380" marR="1381760" indent="-457200">
+              <a:lnSpc>
+                <a:spcPct val="118400"/>
+              </a:lnSpc>
+              <a:spcBef>
+                <a:spcPts val="90"/>
+              </a:spcBef>
+              <a:buFont typeface="Arial" panose="020B0604020202020204" pitchFamily="34" charset="0"/>
+              <a:buChar char="•"/>
+            </a:pPr>
+            <a:r>
+              <a:rPr lang="es-ES" sz="2750" b="1" dirty="0" err="1">
+                <a:latin typeface="Times New Roman"/>
+                <a:cs typeface="Times New Roman"/>
+              </a:rPr>
+              <a:t>SequentialExecutor</a:t>
+            </a:r>
+            <a:r>
+              <a:rPr lang="es-ES" sz="2750" b="1" dirty="0">
+                <a:latin typeface="Times New Roman"/>
+                <a:cs typeface="Times New Roman"/>
+              </a:rPr>
+              <a:t>: </a:t>
+            </a:r>
+            <a:r>
+              <a:rPr lang="es-ES" sz="2750" dirty="0">
+                <a:latin typeface="Times New Roman"/>
+                <a:cs typeface="Times New Roman"/>
+              </a:rPr>
+              <a:t>Ejecuta tareas secuencialmente </a:t>
+            </a:r>
+          </a:p>
+          <a:p>
+            <a:pPr marL="1135380" marR="1381760" indent="-457200">
+              <a:lnSpc>
+                <a:spcPct val="118400"/>
+              </a:lnSpc>
+              <a:spcBef>
+                <a:spcPts val="90"/>
+              </a:spcBef>
+              <a:buFont typeface="Arial" panose="020B0604020202020204" pitchFamily="34" charset="0"/>
+              <a:buChar char="•"/>
+            </a:pPr>
+            <a:r>
+              <a:rPr lang="es-ES" sz="2750" b="1" dirty="0" err="1">
+                <a:latin typeface="Times New Roman"/>
+                <a:cs typeface="Times New Roman"/>
+              </a:rPr>
+              <a:t>LocalExecutor</a:t>
+            </a:r>
+            <a:r>
+              <a:rPr lang="es-ES" sz="2750" b="1" dirty="0">
+                <a:latin typeface="Times New Roman"/>
+                <a:cs typeface="Times New Roman"/>
+              </a:rPr>
+              <a:t>:</a:t>
+            </a:r>
+            <a:r>
+              <a:rPr lang="es-ES" sz="2750" dirty="0">
+                <a:latin typeface="Times New Roman"/>
+                <a:cs typeface="Times New Roman"/>
+              </a:rPr>
+              <a:t> Ejecuta tareas en paralelo en una sola máquina </a:t>
+            </a:r>
+          </a:p>
+          <a:p>
+            <a:pPr marL="1135380" marR="1381760" indent="-457200">
+              <a:lnSpc>
+                <a:spcPct val="118400"/>
+              </a:lnSpc>
+              <a:spcBef>
+                <a:spcPts val="90"/>
+              </a:spcBef>
+              <a:buFont typeface="Arial" panose="020B0604020202020204" pitchFamily="34" charset="0"/>
+              <a:buChar char="•"/>
+            </a:pPr>
+            <a:r>
+              <a:rPr lang="es-ES" sz="2750" b="1" dirty="0" err="1">
+                <a:latin typeface="Times New Roman"/>
+                <a:cs typeface="Times New Roman"/>
+              </a:rPr>
+              <a:t>CeleryExecutor</a:t>
+            </a:r>
+            <a:r>
+              <a:rPr lang="es-ES" sz="2750" b="1" dirty="0">
+                <a:latin typeface="Times New Roman"/>
+                <a:cs typeface="Times New Roman"/>
+              </a:rPr>
+              <a:t>: </a:t>
+            </a:r>
+            <a:r>
+              <a:rPr lang="es-ES" sz="2750" dirty="0">
+                <a:latin typeface="Times New Roman"/>
+                <a:cs typeface="Times New Roman"/>
+              </a:rPr>
+              <a:t>Distribuye tareas entre múltiples </a:t>
+            </a:r>
+            <a:r>
+              <a:rPr lang="es-ES" sz="2750" dirty="0" err="1">
+                <a:latin typeface="Times New Roman"/>
+                <a:cs typeface="Times New Roman"/>
+              </a:rPr>
+              <a:t>workers</a:t>
+            </a:r>
+            <a:r>
+              <a:rPr lang="es-ES" sz="2750" dirty="0">
+                <a:latin typeface="Times New Roman"/>
+                <a:cs typeface="Times New Roman"/>
+              </a:rPr>
+              <a:t> </a:t>
+            </a:r>
+          </a:p>
+          <a:p>
+            <a:pPr marL="1135380" marR="1381760" indent="-457200">
+              <a:lnSpc>
+                <a:spcPct val="118400"/>
+              </a:lnSpc>
+              <a:spcBef>
+                <a:spcPts val="90"/>
+              </a:spcBef>
+              <a:buFont typeface="Arial" panose="020B0604020202020204" pitchFamily="34" charset="0"/>
+              <a:buChar char="•"/>
+            </a:pPr>
+            <a:r>
+              <a:rPr lang="es-ES" sz="2750" b="1" dirty="0" err="1">
+                <a:latin typeface="Times New Roman"/>
+                <a:cs typeface="Times New Roman"/>
+              </a:rPr>
+              <a:t>KubernetesExecutor</a:t>
+            </a:r>
+            <a:r>
+              <a:rPr lang="es-ES" sz="2750" b="1" dirty="0">
+                <a:latin typeface="Times New Roman"/>
+                <a:cs typeface="Times New Roman"/>
+              </a:rPr>
+              <a:t>: </a:t>
+            </a:r>
+            <a:r>
+              <a:rPr lang="es-ES" sz="2750" dirty="0">
+                <a:latin typeface="Times New Roman"/>
+                <a:cs typeface="Times New Roman"/>
+              </a:rPr>
+              <a:t>Ejecuta cada tarea en un </a:t>
+            </a:r>
+            <a:r>
+              <a:rPr lang="es-ES" sz="2750" dirty="0" err="1">
+                <a:latin typeface="Times New Roman"/>
+                <a:cs typeface="Times New Roman"/>
+              </a:rPr>
+              <a:t>pod</a:t>
+            </a:r>
+            <a:r>
+              <a:rPr lang="es-ES" sz="2750" dirty="0">
+                <a:latin typeface="Times New Roman"/>
+                <a:cs typeface="Times New Roman"/>
+              </a:rPr>
+              <a:t> de </a:t>
+            </a:r>
+            <a:r>
+              <a:rPr lang="es-ES" sz="2750" dirty="0" err="1">
+                <a:latin typeface="Times New Roman"/>
+                <a:cs typeface="Times New Roman"/>
+              </a:rPr>
+              <a:t>Kubernetes</a:t>
+            </a:r>
+            <a:endParaRPr lang="es-ES" sz="2750" dirty="0">
+              <a:latin typeface="Times New Roman"/>
+              <a:cs typeface="Times New Roman"/>
+            </a:endParaRPr>
+          </a:p>
+          <a:p>
+            <a:pPr marL="1135380" marR="1381760" indent="-457200">
+              <a:lnSpc>
+                <a:spcPct val="118400"/>
+              </a:lnSpc>
+              <a:spcBef>
+                <a:spcPts val="90"/>
+              </a:spcBef>
+              <a:buFont typeface="Arial" panose="020B0604020202020204" pitchFamily="34" charset="0"/>
+              <a:buChar char="•"/>
+            </a:pPr>
+            <a:r>
+              <a:rPr lang="es-ES" sz="2750" b="1" dirty="0" err="1">
+                <a:latin typeface="Times New Roman"/>
+                <a:cs typeface="Times New Roman"/>
+              </a:rPr>
+              <a:t>DaskExecutor</a:t>
+            </a:r>
+            <a:r>
+              <a:rPr lang="es-ES" sz="2750" b="1" dirty="0">
+                <a:latin typeface="Times New Roman"/>
+                <a:cs typeface="Times New Roman"/>
+              </a:rPr>
+              <a:t>: </a:t>
+            </a:r>
+            <a:r>
+              <a:rPr lang="es-ES" sz="2750" dirty="0">
+                <a:latin typeface="Times New Roman"/>
+                <a:cs typeface="Times New Roman"/>
+              </a:rPr>
+              <a:t>Utiliza </a:t>
+            </a:r>
+            <a:r>
+              <a:rPr lang="es-ES" sz="2750" dirty="0" err="1">
+                <a:latin typeface="Times New Roman"/>
+                <a:cs typeface="Times New Roman"/>
+              </a:rPr>
+              <a:t>Dask</a:t>
+            </a:r>
+            <a:r>
+              <a:rPr lang="es-ES" sz="2750" dirty="0">
+                <a:latin typeface="Times New Roman"/>
+                <a:cs typeface="Times New Roman"/>
+              </a:rPr>
+              <a:t> para distribuir tareas</a:t>
+            </a:r>
+          </a:p>
+        </p:txBody>
+      </p:sp>
+      <p:sp>
+        <p:nvSpPr>
+          <p:cNvPr id="2" name="object 2"/>
+          <p:cNvSpPr txBox="1">
+            <a:spLocks noGrp="1"/>
+          </p:cNvSpPr>
+          <p:nvPr>
+            <p:ph type="title"/>
+          </p:nvPr>
+        </p:nvSpPr>
+        <p:spPr>
+          <a:prstGeom prst="rect">
+            <a:avLst/>
+          </a:prstGeom>
+        </p:spPr>
+        <p:txBody>
+          <a:bodyPr vert="horz" wrap="square" lIns="0" tIns="17145" rIns="0" bIns="0" rtlCol="0">
+            <a:spAutoFit/>
+          </a:bodyPr>
+          <a:lstStyle/>
+          <a:p>
+            <a:pPr marL="1593850">
+              <a:lnSpc>
+                <a:spcPct val="100000"/>
+              </a:lnSpc>
+              <a:spcBef>
+                <a:spcPts val="135"/>
+              </a:spcBef>
+            </a:pPr>
+            <a:r>
+              <a:rPr dirty="0"/>
+              <a:t>Tipos</a:t>
+            </a:r>
+            <a:r>
+              <a:rPr spc="-120" dirty="0"/>
+              <a:t> </a:t>
+            </a:r>
+            <a:r>
+              <a:rPr dirty="0"/>
+              <a:t>de</a:t>
+            </a:r>
+            <a:r>
+              <a:rPr spc="-110" dirty="0"/>
+              <a:t> </a:t>
+            </a:r>
+            <a:r>
+              <a:rPr lang="es-ES" spc="-10" dirty="0" err="1"/>
+              <a:t>Executors</a:t>
+            </a:r>
+            <a:endParaRPr spc="-10" dirty="0"/>
+          </a:p>
+        </p:txBody>
+      </p:sp>
+      <p:sp>
+        <p:nvSpPr>
+          <p:cNvPr id="9" name="object 9"/>
+          <p:cNvSpPr/>
+          <p:nvPr/>
+        </p:nvSpPr>
+        <p:spPr>
+          <a:xfrm>
+            <a:off x="114299" y="6305549"/>
+            <a:ext cx="438150" cy="247650"/>
+          </a:xfrm>
+          <a:custGeom>
+            <a:avLst/>
+            <a:gdLst/>
+            <a:ahLst/>
+            <a:cxnLst/>
+            <a:rect l="l" t="t" r="r" b="b"/>
+            <a:pathLst>
+              <a:path w="438150" h="247650">
+                <a:moveTo>
+                  <a:pt x="438149" y="247649"/>
+                </a:moveTo>
+                <a:lnTo>
+                  <a:pt x="0" y="247649"/>
+                </a:lnTo>
+                <a:lnTo>
+                  <a:pt x="0" y="0"/>
+                </a:lnTo>
+                <a:lnTo>
+                  <a:pt x="438149" y="0"/>
+                </a:lnTo>
+                <a:lnTo>
+                  <a:pt x="438149" y="247649"/>
+                </a:lnTo>
+                <a:close/>
+              </a:path>
+            </a:pathLst>
+          </a:custGeom>
+          <a:solidFill>
+            <a:srgbClr val="000000">
+              <a:alpha val="39999"/>
+            </a:srgbClr>
+          </a:solidFill>
+        </p:spPr>
+        <p:txBody>
+          <a:bodyPr wrap="square" lIns="0" tIns="0" rIns="0" bIns="0" rtlCol="0"/>
+          <a:lstStyle/>
+          <a:p>
+            <a:endParaRPr/>
+          </a:p>
+        </p:txBody>
+      </p:sp>
+      <p:sp>
+        <p:nvSpPr>
+          <p:cNvPr id="10" name="object 10"/>
+          <p:cNvSpPr txBox="1">
+            <a:spLocks noGrp="1"/>
+          </p:cNvSpPr>
+          <p:nvPr>
+            <p:ph type="ftr" sz="quarter" idx="5"/>
+          </p:nvPr>
+        </p:nvSpPr>
+        <p:spPr>
+          <a:prstGeom prst="rect">
+            <a:avLst/>
+          </a:prstGeom>
+        </p:spPr>
+        <p:txBody>
+          <a:bodyPr vert="horz" wrap="square" lIns="0" tIns="0" rIns="0" bIns="0" rtlCol="0">
+            <a:spAutoFit/>
+          </a:bodyPr>
+          <a:lstStyle/>
+          <a:p>
+            <a:pPr marL="12700">
+              <a:lnSpc>
+                <a:spcPts val="1920"/>
+              </a:lnSpc>
+            </a:pPr>
+            <a:r>
+              <a:rPr dirty="0"/>
+              <a:t>Apache</a:t>
+            </a:r>
+            <a:r>
+              <a:rPr spc="-55" dirty="0"/>
+              <a:t> </a:t>
+            </a:r>
+            <a:r>
+              <a:rPr dirty="0"/>
+              <a:t>Airflow</a:t>
+            </a:r>
+            <a:r>
+              <a:rPr spc="50" dirty="0"/>
+              <a:t> </a:t>
+            </a:r>
+            <a:r>
+              <a:rPr dirty="0"/>
+              <a:t>para</a:t>
+            </a:r>
+            <a:r>
+              <a:rPr spc="55" dirty="0"/>
+              <a:t> </a:t>
+            </a:r>
+            <a:r>
+              <a:rPr spc="-25" dirty="0"/>
+              <a:t>ETL</a:t>
+            </a:r>
+          </a:p>
+        </p:txBody>
+      </p:sp>
+      <p:sp>
+        <p:nvSpPr>
+          <p:cNvPr id="11" name="object 11"/>
+          <p:cNvSpPr txBox="1">
+            <a:spLocks noGrp="1"/>
+          </p:cNvSpPr>
+          <p:nvPr>
+            <p:ph type="sldNum" sz="quarter" idx="7"/>
+          </p:nvPr>
+        </p:nvSpPr>
+        <p:spPr>
+          <a:prstGeom prst="rect">
+            <a:avLst/>
+          </a:prstGeom>
+        </p:spPr>
+        <p:txBody>
+          <a:bodyPr vert="horz" wrap="square" lIns="0" tIns="1905" rIns="0" bIns="0" rtlCol="0">
+            <a:spAutoFit/>
+          </a:bodyPr>
+          <a:lstStyle/>
+          <a:p>
+            <a:pPr marL="38100">
+              <a:lnSpc>
+                <a:spcPct val="100000"/>
+              </a:lnSpc>
+              <a:spcBef>
+                <a:spcPts val="15"/>
+              </a:spcBef>
+            </a:pPr>
+            <a:fld id="{81D60167-4931-47E6-BA6A-407CBD079E47}" type="slidenum">
+              <a:rPr dirty="0"/>
+              <a:t>12</a:t>
+            </a:fld>
+            <a:r>
+              <a:rPr spc="225" dirty="0"/>
+              <a:t> </a:t>
+            </a:r>
+            <a:r>
+              <a:rPr dirty="0"/>
+              <a:t>/</a:t>
+            </a:r>
+            <a:r>
+              <a:rPr spc="225" dirty="0"/>
+              <a:t> </a:t>
+            </a:r>
+            <a:r>
+              <a:rPr spc="-25" dirty="0"/>
+              <a:t>20</a:t>
+            </a:r>
+          </a:p>
+        </p:txBody>
+      </p:sp>
+    </p:spTree>
+  </p:cSld>
+  <p:clrMapOvr>
+    <a:masterClrMapping/>
+  </p:clrMapOvr>
+</p:sld>
+</file>
+
+<file path=ppt/slides/slide13.xml><?xml version="1.0" encoding="utf-8"?>
 <p:sld xmlns:a="http://schemas.openxmlformats.org/drawingml/2006/main" xmlns:r="http://schemas.openxmlformats.org/officeDocument/2006/relationships" xmlns:p="http://schemas.openxmlformats.org/presentationml/2006/main">
   <p:cSld>
     <p:spTree>
@@ -3618,7 +4388,7 @@
             </a:pPr>
             <a:fld id="{81D60167-4931-47E6-BA6A-407CBD079E47}" type="slidenum">
               <a:rPr dirty="0"/>
-              <a:t>12</a:t>
+              <a:t>13</a:t>
             </a:fld>
             <a:r>
               <a:rPr spc="225" dirty="0"/>
@@ -3647,7 +4417,7 @@
 </p:sld>
 </file>
 
-<file path=ppt/slides/slide13.xml><?xml version="1.0" encoding="utf-8"?>
+<file path=ppt/slides/slide14.xml><?xml version="1.0" encoding="utf-8"?>
 <p:sld xmlns:a="http://schemas.openxmlformats.org/drawingml/2006/main" xmlns:r="http://schemas.openxmlformats.org/officeDocument/2006/relationships" xmlns:p="http://schemas.openxmlformats.org/presentationml/2006/main">
   <p:cSld>
     <p:spTree>
@@ -4742,7 +5512,7 @@
             </a:pPr>
             <a:fld id="{81D60167-4931-47E6-BA6A-407CBD079E47}" type="slidenum">
               <a:rPr dirty="0"/>
-              <a:t>13</a:t>
+              <a:t>14</a:t>
             </a:fld>
             <a:r>
               <a:rPr spc="225" dirty="0"/>
@@ -4771,7 +5541,7 @@
 </p:sld>
 </file>
 
-<file path=ppt/slides/slide14.xml><?xml version="1.0" encoding="utf-8"?>
+<file path=ppt/slides/slide15.xml><?xml version="1.0" encoding="utf-8"?>
 <p:sld xmlns:a="http://schemas.openxmlformats.org/drawingml/2006/main" xmlns:r="http://schemas.openxmlformats.org/officeDocument/2006/relationships" xmlns:p="http://schemas.openxmlformats.org/presentationml/2006/main">
   <p:cSld>
     <p:spTree>
@@ -5545,7 +6315,7 @@
             </a:pPr>
             <a:fld id="{81D60167-4931-47E6-BA6A-407CBD079E47}" type="slidenum">
               <a:rPr dirty="0"/>
-              <a:t>14</a:t>
+              <a:t>15</a:t>
             </a:fld>
             <a:r>
               <a:rPr spc="225" dirty="0"/>
@@ -5574,7 +6344,7 @@
 </p:sld>
 </file>
 
-<file path=ppt/slides/slide15.xml><?xml version="1.0" encoding="utf-8"?>
+<file path=ppt/slides/slide16.xml><?xml version="1.0" encoding="utf-8"?>
 <p:sld xmlns:a="http://schemas.openxmlformats.org/drawingml/2006/main" xmlns:r="http://schemas.openxmlformats.org/officeDocument/2006/relationships" xmlns:p="http://schemas.openxmlformats.org/presentationml/2006/main">
   <p:cSld>
     <p:spTree>
@@ -7035,7 +7805,7 @@
             </a:pPr>
             <a:fld id="{81D60167-4931-47E6-BA6A-407CBD079E47}" type="slidenum">
               <a:rPr dirty="0"/>
-              <a:t>15</a:t>
+              <a:t>16</a:t>
             </a:fld>
             <a:r>
               <a:rPr spc="225" dirty="0"/>
@@ -7064,7 +7834,7 @@
 </p:sld>
 </file>
 
-<file path=ppt/slides/slide16.xml><?xml version="1.0" encoding="utf-8"?>
+<file path=ppt/slides/slide17.xml><?xml version="1.0" encoding="utf-8"?>
 <p:sld xmlns:a="http://schemas.openxmlformats.org/drawingml/2006/main" xmlns:r="http://schemas.openxmlformats.org/officeDocument/2006/relationships" xmlns:p="http://schemas.openxmlformats.org/presentationml/2006/main">
   <p:cSld>
     <p:spTree>
@@ -8519,7 +9289,7 @@
             </a:pPr>
             <a:fld id="{81D60167-4931-47E6-BA6A-407CBD079E47}" type="slidenum">
               <a:rPr dirty="0"/>
-              <a:t>16</a:t>
+              <a:t>17</a:t>
             </a:fld>
             <a:r>
               <a:rPr spc="225" dirty="0"/>
@@ -8548,7 +9318,7 @@
 </p:sld>
 </file>
 
-<file path=ppt/slides/slide17.xml><?xml version="1.0" encoding="utf-8"?>
+<file path=ppt/slides/slide18.xml><?xml version="1.0" encoding="utf-8"?>
 <p:sld xmlns:a="http://schemas.openxmlformats.org/drawingml/2006/main" xmlns:r="http://schemas.openxmlformats.org/officeDocument/2006/relationships" xmlns:p="http://schemas.openxmlformats.org/presentationml/2006/main">
   <p:cSld>
     <p:spTree>
@@ -10217,7 +10987,7 @@
             </a:pPr>
             <a:fld id="{81D60167-4931-47E6-BA6A-407CBD079E47}" type="slidenum">
               <a:rPr dirty="0"/>
-              <a:t>17</a:t>
+              <a:t>18</a:t>
             </a:fld>
             <a:r>
               <a:rPr spc="225" dirty="0"/>
@@ -10246,7 +11016,7 @@
 </p:sld>
 </file>
 
-<file path=ppt/slides/slide18.xml><?xml version="1.0" encoding="utf-8"?>
+<file path=ppt/slides/slide19.xml><?xml version="1.0" encoding="utf-8"?>
 <p:sld xmlns:a="http://schemas.openxmlformats.org/drawingml/2006/main" xmlns:r="http://schemas.openxmlformats.org/officeDocument/2006/relationships" xmlns:p="http://schemas.openxmlformats.org/presentationml/2006/main">
   <p:cSld>
     <p:spTree>
@@ -11218,7 +11988,7 @@
             </a:pPr>
             <a:fld id="{81D60167-4931-47E6-BA6A-407CBD079E47}" type="slidenum">
               <a:rPr dirty="0"/>
-              <a:t>18</a:t>
+              <a:t>19</a:t>
             </a:fld>
             <a:r>
               <a:rPr spc="225" dirty="0"/>
@@ -11247,7 +12017,265 @@
 </p:sld>
 </file>
 
-<file path=ppt/slides/slide19.xml><?xml version="1.0" encoding="utf-8"?>
+<file path=ppt/slides/slide2.xml><?xml version="1.0" encoding="utf-8"?>
+<p:sld xmlns:a="http://schemas.openxmlformats.org/drawingml/2006/main" xmlns:r="http://schemas.openxmlformats.org/officeDocument/2006/relationships" xmlns:p="http://schemas.openxmlformats.org/presentationml/2006/main">
+  <p:cSld>
+    <p:spTree>
+      <p:nvGrpSpPr>
+        <p:cNvPr id="1" name=""/>
+        <p:cNvGrpSpPr/>
+        <p:nvPr/>
+      </p:nvGrpSpPr>
+      <p:grpSpPr>
+        <a:xfrm>
+          <a:off x="0" y="0"/>
+          <a:ext cx="0" cy="0"/>
+          <a:chOff x="0" y="0"/>
+          <a:chExt cx="0" cy="0"/>
+        </a:xfrm>
+      </p:grpSpPr>
+      <p:sp>
+        <p:nvSpPr>
+          <p:cNvPr id="2" name="Título 1">
+            <a:extLst>
+              <a:ext uri="{FF2B5EF4-FFF2-40B4-BE49-F238E27FC236}">
+                <a16:creationId xmlns:a16="http://schemas.microsoft.com/office/drawing/2014/main" id="{5A3356C6-2F1D-4CF0-810F-2FD16DE18AE7}"/>
+              </a:ext>
+            </a:extLst>
+          </p:cNvPr>
+          <p:cNvSpPr>
+            <a:spLocks noGrp="1"/>
+          </p:cNvSpPr>
+          <p:nvPr>
+            <p:ph type="title"/>
+          </p:nvPr>
+        </p:nvSpPr>
+        <p:spPr>
+          <a:xfrm>
+            <a:off x="457200" y="261410"/>
+            <a:ext cx="10439400" cy="1800493"/>
+          </a:xfrm>
+        </p:spPr>
+        <p:txBody>
+          <a:bodyPr/>
+          <a:lstStyle/>
+          <a:p>
+            <a:r>
+              <a:rPr lang="es-ES" dirty="0"/>
+              <a:t>Data </a:t>
+            </a:r>
+            <a:r>
+              <a:rPr lang="es-ES" dirty="0" err="1"/>
+              <a:t>Orchestration</a:t>
+            </a:r>
+            <a:r>
+              <a:rPr lang="es-ES" dirty="0"/>
+              <a:t> Fundamentals</a:t>
+            </a:r>
+          </a:p>
+        </p:txBody>
+      </p:sp>
+      <p:sp>
+        <p:nvSpPr>
+          <p:cNvPr id="3" name="Marcador de texto 2">
+            <a:extLst>
+              <a:ext uri="{FF2B5EF4-FFF2-40B4-BE49-F238E27FC236}">
+                <a16:creationId xmlns:a16="http://schemas.microsoft.com/office/drawing/2014/main" id="{CE3FA714-A6E2-4461-BF73-AC8358F28E62}"/>
+              </a:ext>
+            </a:extLst>
+          </p:cNvPr>
+          <p:cNvSpPr>
+            <a:spLocks noGrp="1"/>
+          </p:cNvSpPr>
+          <p:nvPr>
+            <p:ph type="body" idx="1"/>
+          </p:nvPr>
+        </p:nvSpPr>
+        <p:spPr>
+          <a:xfrm>
+            <a:off x="914400" y="1264164"/>
+            <a:ext cx="10058400" cy="4907113"/>
+          </a:xfrm>
+        </p:spPr>
+        <p:txBody>
+          <a:bodyPr vert="horz" wrap="square" lIns="0" tIns="12065" rIns="0" bIns="0" rtlCol="0">
+            <a:spAutoFit/>
+          </a:bodyPr>
+          <a:lstStyle/>
+          <a:p>
+            <a:pPr marL="469900" marR="1022350" indent="-457200" algn="just">
+              <a:lnSpc>
+                <a:spcPct val="118400"/>
+              </a:lnSpc>
+              <a:spcBef>
+                <a:spcPts val="95"/>
+              </a:spcBef>
+              <a:buFont typeface="Arial" panose="020B0604020202020204" pitchFamily="34" charset="0"/>
+              <a:buChar char="•"/>
+            </a:pPr>
+            <a:r>
+              <a:rPr lang="es-ES" b="0" i="0" dirty="0">
+                <a:solidFill>
+                  <a:srgbClr val="333333"/>
+                </a:solidFill>
+                <a:effectLst/>
+                <a:latin typeface="Times New Roman" panose="02020603050405020304" pitchFamily="18" charset="0"/>
+                <a:cs typeface="Times New Roman" panose="02020603050405020304" pitchFamily="18" charset="0"/>
+              </a:rPr>
+              <a:t>La orquestación de datos es la coordinación y automatización del flujo de datos a través de varias herramientas y sistemas para ofrecer productos de datos y análisis de calidad </a:t>
+            </a:r>
+          </a:p>
+          <a:p>
+            <a:pPr marL="469900" marR="1022350" indent="-457200" algn="just">
+              <a:lnSpc>
+                <a:spcPct val="118400"/>
+              </a:lnSpc>
+              <a:spcBef>
+                <a:spcPts val="95"/>
+              </a:spcBef>
+              <a:buFont typeface="Arial" panose="020B0604020202020204" pitchFamily="34" charset="0"/>
+              <a:buChar char="•"/>
+            </a:pPr>
+            <a:endParaRPr lang="es-ES" b="0" i="0" dirty="0">
+              <a:solidFill>
+                <a:srgbClr val="333333"/>
+              </a:solidFill>
+              <a:effectLst/>
+              <a:latin typeface="Times New Roman" panose="02020603050405020304" pitchFamily="18" charset="0"/>
+              <a:cs typeface="Times New Roman" panose="02020603050405020304" pitchFamily="18" charset="0"/>
+            </a:endParaRPr>
+          </a:p>
+          <a:p>
+            <a:pPr marL="469900" marR="1022350" indent="-457200" algn="just">
+              <a:lnSpc>
+                <a:spcPct val="118400"/>
+              </a:lnSpc>
+              <a:spcBef>
+                <a:spcPts val="95"/>
+              </a:spcBef>
+              <a:buFont typeface="Arial" panose="020B0604020202020204" pitchFamily="34" charset="0"/>
+              <a:buChar char="•"/>
+            </a:pPr>
+            <a:r>
+              <a:rPr lang="es-ES" b="0" i="0" dirty="0">
+                <a:solidFill>
+                  <a:srgbClr val="333333"/>
+                </a:solidFill>
+                <a:effectLst/>
+                <a:latin typeface="Times New Roman" panose="02020603050405020304" pitchFamily="18" charset="0"/>
+                <a:cs typeface="Times New Roman" panose="02020603050405020304" pitchFamily="18" charset="0"/>
+              </a:rPr>
+              <a:t>El camino hacia las soluciones modernas de orquestación de datos como </a:t>
+            </a:r>
+            <a:r>
+              <a:rPr lang="es-ES" b="0" i="0" dirty="0" err="1">
+                <a:solidFill>
+                  <a:srgbClr val="333333"/>
+                </a:solidFill>
+                <a:effectLst/>
+                <a:latin typeface="Times New Roman" panose="02020603050405020304" pitchFamily="18" charset="0"/>
+                <a:cs typeface="Times New Roman" panose="02020603050405020304" pitchFamily="18" charset="0"/>
+              </a:rPr>
+              <a:t>Airflow</a:t>
+            </a:r>
+            <a:r>
+              <a:rPr lang="es-ES" b="0" i="0" dirty="0">
+                <a:solidFill>
+                  <a:srgbClr val="333333"/>
+                </a:solidFill>
+                <a:effectLst/>
+                <a:latin typeface="Times New Roman" panose="02020603050405020304" pitchFamily="18" charset="0"/>
+                <a:cs typeface="Times New Roman" panose="02020603050405020304" pitchFamily="18" charset="0"/>
+              </a:rPr>
+              <a:t> tuvo varias evoluciones, empezando por herramientas básicas de programación basadas en el tiempo (por ejemplo, Cron, WTS), seguidas de software propietario (por ejemplo, </a:t>
+            </a:r>
+            <a:r>
+              <a:rPr lang="es-ES" b="0" i="0" dirty="0" err="1">
+                <a:solidFill>
+                  <a:srgbClr val="333333"/>
+                </a:solidFill>
+                <a:effectLst/>
+                <a:latin typeface="Times New Roman" panose="02020603050405020304" pitchFamily="18" charset="0"/>
+                <a:cs typeface="Times New Roman" panose="02020603050405020304" pitchFamily="18" charset="0"/>
+              </a:rPr>
+              <a:t>AutoSys</a:t>
+            </a:r>
+            <a:r>
+              <a:rPr lang="es-ES" b="0" i="0" dirty="0">
+                <a:solidFill>
+                  <a:srgbClr val="333333"/>
+                </a:solidFill>
+                <a:effectLst/>
+                <a:latin typeface="Times New Roman" panose="02020603050405020304" pitchFamily="18" charset="0"/>
+                <a:cs typeface="Times New Roman" panose="02020603050405020304" pitchFamily="18" charset="0"/>
+              </a:rPr>
+              <a:t>, </a:t>
+            </a:r>
+            <a:r>
+              <a:rPr lang="es-ES" b="0" i="0" dirty="0" err="1">
+                <a:solidFill>
+                  <a:srgbClr val="333333"/>
+                </a:solidFill>
+                <a:effectLst/>
+                <a:latin typeface="Times New Roman" panose="02020603050405020304" pitchFamily="18" charset="0"/>
+                <a:cs typeface="Times New Roman" panose="02020603050405020304" pitchFamily="18" charset="0"/>
+              </a:rPr>
+              <a:t>Informatica</a:t>
+            </a:r>
+            <a:r>
+              <a:rPr lang="es-ES" b="0" i="0" dirty="0">
+                <a:solidFill>
+                  <a:srgbClr val="333333"/>
+                </a:solidFill>
+                <a:effectLst/>
+                <a:latin typeface="Times New Roman" panose="02020603050405020304" pitchFamily="18" charset="0"/>
+                <a:cs typeface="Times New Roman" panose="02020603050405020304" pitchFamily="18" charset="0"/>
+              </a:rPr>
+              <a:t>) y, por último, soluciones de código abierto más antiguas (por ejemplo, </a:t>
+            </a:r>
+            <a:r>
+              <a:rPr lang="es-ES" b="0" i="0" dirty="0" err="1">
+                <a:solidFill>
+                  <a:srgbClr val="333333"/>
+                </a:solidFill>
+                <a:effectLst/>
+                <a:latin typeface="Times New Roman" panose="02020603050405020304" pitchFamily="18" charset="0"/>
+                <a:cs typeface="Times New Roman" panose="02020603050405020304" pitchFamily="18" charset="0"/>
+              </a:rPr>
+              <a:t>Oozie</a:t>
+            </a:r>
+            <a:r>
+              <a:rPr lang="es-ES" b="0" i="0" dirty="0">
+                <a:solidFill>
+                  <a:srgbClr val="333333"/>
+                </a:solidFill>
+                <a:effectLst/>
+                <a:latin typeface="Times New Roman" panose="02020603050405020304" pitchFamily="18" charset="0"/>
+                <a:cs typeface="Times New Roman" panose="02020603050405020304" pitchFamily="18" charset="0"/>
+              </a:rPr>
+              <a:t>, Luigi).</a:t>
+            </a:r>
+            <a:endParaRPr lang="es-ES" dirty="0">
+              <a:latin typeface="Times New Roman" panose="02020603050405020304" pitchFamily="18" charset="0"/>
+              <a:cs typeface="Times New Roman" panose="02020603050405020304" pitchFamily="18" charset="0"/>
+            </a:endParaRPr>
+          </a:p>
+        </p:txBody>
+      </p:sp>
+    </p:spTree>
+    <p:extLst>
+      <p:ext uri="{BB962C8B-B14F-4D97-AF65-F5344CB8AC3E}">
+        <p14:creationId xmlns:p14="http://schemas.microsoft.com/office/powerpoint/2010/main" val="3710631004"/>
+      </p:ext>
+    </p:extLst>
+  </p:cSld>
+  <p:clrMapOvr>
+    <a:masterClrMapping/>
+  </p:clrMapOvr>
+</p:sld>
+</file>
+
+<file path=ppt/slides/slide20.xml><?xml version="1.0" encoding="utf-8"?>
 <p:sld xmlns:a="http://schemas.openxmlformats.org/drawingml/2006/main" xmlns:r="http://schemas.openxmlformats.org/officeDocument/2006/relationships" xmlns:p="http://schemas.openxmlformats.org/presentationml/2006/main">
   <p:cSld>
     <p:spTree>
@@ -13028,7 +14056,7 @@
             </a:pPr>
             <a:fld id="{81D60167-4931-47E6-BA6A-407CBD079E47}" type="slidenum">
               <a:rPr dirty="0"/>
-              <a:t>19</a:t>
+              <a:t>20</a:t>
             </a:fld>
             <a:r>
               <a:rPr spc="225" dirty="0"/>
@@ -13057,265 +14085,7 @@
 </p:sld>
 </file>
 
-<file path=ppt/slides/slide2.xml><?xml version="1.0" encoding="utf-8"?>
-<p:sld xmlns:a="http://schemas.openxmlformats.org/drawingml/2006/main" xmlns:r="http://schemas.openxmlformats.org/officeDocument/2006/relationships" xmlns:p="http://schemas.openxmlformats.org/presentationml/2006/main">
-  <p:cSld>
-    <p:spTree>
-      <p:nvGrpSpPr>
-        <p:cNvPr id="1" name=""/>
-        <p:cNvGrpSpPr/>
-        <p:nvPr/>
-      </p:nvGrpSpPr>
-      <p:grpSpPr>
-        <a:xfrm>
-          <a:off x="0" y="0"/>
-          <a:ext cx="0" cy="0"/>
-          <a:chOff x="0" y="0"/>
-          <a:chExt cx="0" cy="0"/>
-        </a:xfrm>
-      </p:grpSpPr>
-      <p:sp>
-        <p:nvSpPr>
-          <p:cNvPr id="2" name="Título 1">
-            <a:extLst>
-              <a:ext uri="{FF2B5EF4-FFF2-40B4-BE49-F238E27FC236}">
-                <a16:creationId xmlns:a16="http://schemas.microsoft.com/office/drawing/2014/main" id="{5A3356C6-2F1D-4CF0-810F-2FD16DE18AE7}"/>
-              </a:ext>
-            </a:extLst>
-          </p:cNvPr>
-          <p:cNvSpPr>
-            <a:spLocks noGrp="1"/>
-          </p:cNvSpPr>
-          <p:nvPr>
-            <p:ph type="title"/>
-          </p:nvPr>
-        </p:nvSpPr>
-        <p:spPr>
-          <a:xfrm>
-            <a:off x="457200" y="261410"/>
-            <a:ext cx="10439400" cy="1800493"/>
-          </a:xfrm>
-        </p:spPr>
-        <p:txBody>
-          <a:bodyPr/>
-          <a:lstStyle/>
-          <a:p>
-            <a:r>
-              <a:rPr lang="es-ES" dirty="0"/>
-              <a:t>Data </a:t>
-            </a:r>
-            <a:r>
-              <a:rPr lang="es-ES" dirty="0" err="1"/>
-              <a:t>Orchestration</a:t>
-            </a:r>
-            <a:r>
-              <a:rPr lang="es-ES" dirty="0"/>
-              <a:t> Fundamentals</a:t>
-            </a:r>
-          </a:p>
-        </p:txBody>
-      </p:sp>
-      <p:sp>
-        <p:nvSpPr>
-          <p:cNvPr id="3" name="Marcador de texto 2">
-            <a:extLst>
-              <a:ext uri="{FF2B5EF4-FFF2-40B4-BE49-F238E27FC236}">
-                <a16:creationId xmlns:a16="http://schemas.microsoft.com/office/drawing/2014/main" id="{CE3FA714-A6E2-4461-BF73-AC8358F28E62}"/>
-              </a:ext>
-            </a:extLst>
-          </p:cNvPr>
-          <p:cNvSpPr>
-            <a:spLocks noGrp="1"/>
-          </p:cNvSpPr>
-          <p:nvPr>
-            <p:ph type="body" idx="1"/>
-          </p:nvPr>
-        </p:nvSpPr>
-        <p:spPr>
-          <a:xfrm>
-            <a:off x="914400" y="1264164"/>
-            <a:ext cx="10058400" cy="4907113"/>
-          </a:xfrm>
-        </p:spPr>
-        <p:txBody>
-          <a:bodyPr vert="horz" wrap="square" lIns="0" tIns="12065" rIns="0" bIns="0" rtlCol="0">
-            <a:spAutoFit/>
-          </a:bodyPr>
-          <a:lstStyle/>
-          <a:p>
-            <a:pPr marL="469900" marR="1022350" indent="-457200" algn="just">
-              <a:lnSpc>
-                <a:spcPct val="118400"/>
-              </a:lnSpc>
-              <a:spcBef>
-                <a:spcPts val="95"/>
-              </a:spcBef>
-              <a:buFont typeface="Arial" panose="020B0604020202020204" pitchFamily="34" charset="0"/>
-              <a:buChar char="•"/>
-            </a:pPr>
-            <a:r>
-              <a:rPr lang="es-ES" b="0" i="0" dirty="0">
-                <a:solidFill>
-                  <a:srgbClr val="333333"/>
-                </a:solidFill>
-                <a:effectLst/>
-                <a:latin typeface="Times New Roman" panose="02020603050405020304" pitchFamily="18" charset="0"/>
-                <a:cs typeface="Times New Roman" panose="02020603050405020304" pitchFamily="18" charset="0"/>
-              </a:rPr>
-              <a:t>La orquestación de datos es la coordinación y automatización del flujo de datos a través de varias herramientas y sistemas para ofrecer productos de datos y análisis de calidad </a:t>
-            </a:r>
-          </a:p>
-          <a:p>
-            <a:pPr marL="469900" marR="1022350" indent="-457200" algn="just">
-              <a:lnSpc>
-                <a:spcPct val="118400"/>
-              </a:lnSpc>
-              <a:spcBef>
-                <a:spcPts val="95"/>
-              </a:spcBef>
-              <a:buFont typeface="Arial" panose="020B0604020202020204" pitchFamily="34" charset="0"/>
-              <a:buChar char="•"/>
-            </a:pPr>
-            <a:endParaRPr lang="es-ES" b="0" i="0" dirty="0">
-              <a:solidFill>
-                <a:srgbClr val="333333"/>
-              </a:solidFill>
-              <a:effectLst/>
-              <a:latin typeface="Times New Roman" panose="02020603050405020304" pitchFamily="18" charset="0"/>
-              <a:cs typeface="Times New Roman" panose="02020603050405020304" pitchFamily="18" charset="0"/>
-            </a:endParaRPr>
-          </a:p>
-          <a:p>
-            <a:pPr marL="469900" marR="1022350" indent="-457200" algn="just">
-              <a:lnSpc>
-                <a:spcPct val="118400"/>
-              </a:lnSpc>
-              <a:spcBef>
-                <a:spcPts val="95"/>
-              </a:spcBef>
-              <a:buFont typeface="Arial" panose="020B0604020202020204" pitchFamily="34" charset="0"/>
-              <a:buChar char="•"/>
-            </a:pPr>
-            <a:r>
-              <a:rPr lang="es-ES" b="0" i="0" dirty="0">
-                <a:solidFill>
-                  <a:srgbClr val="333333"/>
-                </a:solidFill>
-                <a:effectLst/>
-                <a:latin typeface="Times New Roman" panose="02020603050405020304" pitchFamily="18" charset="0"/>
-                <a:cs typeface="Times New Roman" panose="02020603050405020304" pitchFamily="18" charset="0"/>
-              </a:rPr>
-              <a:t>El camino hacia las soluciones modernas de orquestación de datos como </a:t>
-            </a:r>
-            <a:r>
-              <a:rPr lang="es-ES" b="0" i="0" dirty="0" err="1">
-                <a:solidFill>
-                  <a:srgbClr val="333333"/>
-                </a:solidFill>
-                <a:effectLst/>
-                <a:latin typeface="Times New Roman" panose="02020603050405020304" pitchFamily="18" charset="0"/>
-                <a:cs typeface="Times New Roman" panose="02020603050405020304" pitchFamily="18" charset="0"/>
-              </a:rPr>
-              <a:t>Airflow</a:t>
-            </a:r>
-            <a:r>
-              <a:rPr lang="es-ES" b="0" i="0" dirty="0">
-                <a:solidFill>
-                  <a:srgbClr val="333333"/>
-                </a:solidFill>
-                <a:effectLst/>
-                <a:latin typeface="Times New Roman" panose="02020603050405020304" pitchFamily="18" charset="0"/>
-                <a:cs typeface="Times New Roman" panose="02020603050405020304" pitchFamily="18" charset="0"/>
-              </a:rPr>
-              <a:t> tuvo varias evoluciones, empezando por herramientas básicas de programación basadas en el tiempo (por ejemplo, Cron, WTS), seguidas de software propietario (por ejemplo, </a:t>
-            </a:r>
-            <a:r>
-              <a:rPr lang="es-ES" b="0" i="0" dirty="0" err="1">
-                <a:solidFill>
-                  <a:srgbClr val="333333"/>
-                </a:solidFill>
-                <a:effectLst/>
-                <a:latin typeface="Times New Roman" panose="02020603050405020304" pitchFamily="18" charset="0"/>
-                <a:cs typeface="Times New Roman" panose="02020603050405020304" pitchFamily="18" charset="0"/>
-              </a:rPr>
-              <a:t>AutoSys</a:t>
-            </a:r>
-            <a:r>
-              <a:rPr lang="es-ES" b="0" i="0" dirty="0">
-                <a:solidFill>
-                  <a:srgbClr val="333333"/>
-                </a:solidFill>
-                <a:effectLst/>
-                <a:latin typeface="Times New Roman" panose="02020603050405020304" pitchFamily="18" charset="0"/>
-                <a:cs typeface="Times New Roman" panose="02020603050405020304" pitchFamily="18" charset="0"/>
-              </a:rPr>
-              <a:t>, </a:t>
-            </a:r>
-            <a:r>
-              <a:rPr lang="es-ES" b="0" i="0" dirty="0" err="1">
-                <a:solidFill>
-                  <a:srgbClr val="333333"/>
-                </a:solidFill>
-                <a:effectLst/>
-                <a:latin typeface="Times New Roman" panose="02020603050405020304" pitchFamily="18" charset="0"/>
-                <a:cs typeface="Times New Roman" panose="02020603050405020304" pitchFamily="18" charset="0"/>
-              </a:rPr>
-              <a:t>Informatica</a:t>
-            </a:r>
-            <a:r>
-              <a:rPr lang="es-ES" b="0" i="0" dirty="0">
-                <a:solidFill>
-                  <a:srgbClr val="333333"/>
-                </a:solidFill>
-                <a:effectLst/>
-                <a:latin typeface="Times New Roman" panose="02020603050405020304" pitchFamily="18" charset="0"/>
-                <a:cs typeface="Times New Roman" panose="02020603050405020304" pitchFamily="18" charset="0"/>
-              </a:rPr>
-              <a:t>) y, por último, soluciones de código abierto más antiguas (por ejemplo, </a:t>
-            </a:r>
-            <a:r>
-              <a:rPr lang="es-ES" b="0" i="0" dirty="0" err="1">
-                <a:solidFill>
-                  <a:srgbClr val="333333"/>
-                </a:solidFill>
-                <a:effectLst/>
-                <a:latin typeface="Times New Roman" panose="02020603050405020304" pitchFamily="18" charset="0"/>
-                <a:cs typeface="Times New Roman" panose="02020603050405020304" pitchFamily="18" charset="0"/>
-              </a:rPr>
-              <a:t>Oozie</a:t>
-            </a:r>
-            <a:r>
-              <a:rPr lang="es-ES" b="0" i="0" dirty="0">
-                <a:solidFill>
-                  <a:srgbClr val="333333"/>
-                </a:solidFill>
-                <a:effectLst/>
-                <a:latin typeface="Times New Roman" panose="02020603050405020304" pitchFamily="18" charset="0"/>
-                <a:cs typeface="Times New Roman" panose="02020603050405020304" pitchFamily="18" charset="0"/>
-              </a:rPr>
-              <a:t>, Luigi).</a:t>
-            </a:r>
-            <a:endParaRPr lang="es-ES" dirty="0">
-              <a:latin typeface="Times New Roman" panose="02020603050405020304" pitchFamily="18" charset="0"/>
-              <a:cs typeface="Times New Roman" panose="02020603050405020304" pitchFamily="18" charset="0"/>
-            </a:endParaRPr>
-          </a:p>
-        </p:txBody>
-      </p:sp>
-    </p:spTree>
-    <p:extLst>
-      <p:ext uri="{BB962C8B-B14F-4D97-AF65-F5344CB8AC3E}">
-        <p14:creationId xmlns:p14="http://schemas.microsoft.com/office/powerpoint/2010/main" val="3710631004"/>
-      </p:ext>
-    </p:extLst>
-  </p:cSld>
-  <p:clrMapOvr>
-    <a:masterClrMapping/>
-  </p:clrMapOvr>
-</p:sld>
-</file>
-
-<file path=ppt/slides/slide20.xml><?xml version="1.0" encoding="utf-8"?>
+<file path=ppt/slides/slide21.xml><?xml version="1.0" encoding="utf-8"?>
 <p:sld xmlns:a="http://schemas.openxmlformats.org/drawingml/2006/main" xmlns:r="http://schemas.openxmlformats.org/officeDocument/2006/relationships" xmlns:p="http://schemas.openxmlformats.org/presentationml/2006/main">
   <p:cSld>
     <p:spTree>
@@ -14974,7 +15744,7 @@
             </a:pPr>
             <a:fld id="{81D60167-4931-47E6-BA6A-407CBD079E47}" type="slidenum">
               <a:rPr dirty="0"/>
-              <a:t>20</a:t>
+              <a:t>21</a:t>
             </a:fld>
             <a:r>
               <a:rPr spc="225" dirty="0"/>
@@ -15003,7 +15773,7 @@
 </p:sld>
 </file>
 
-<file path=ppt/slides/slide21.xml><?xml version="1.0" encoding="utf-8"?>
+<file path=ppt/slides/slide22.xml><?xml version="1.0" encoding="utf-8"?>
 <p:sld xmlns:a="http://schemas.openxmlformats.org/drawingml/2006/main" xmlns:r="http://schemas.openxmlformats.org/officeDocument/2006/relationships" xmlns:p="http://schemas.openxmlformats.org/presentationml/2006/main">
   <p:cSld>
     <p:spTree>
@@ -15672,7 +16442,7 @@
             </a:pPr>
             <a:fld id="{81D60167-4931-47E6-BA6A-407CBD079E47}" type="slidenum">
               <a:rPr dirty="0"/>
-              <a:t>21</a:t>
+              <a:t>22</a:t>
             </a:fld>
             <a:r>
               <a:rPr spc="225" dirty="0"/>
@@ -15701,7 +16471,7 @@
 </p:sld>
 </file>
 
-<file path=ppt/slides/slide22.xml><?xml version="1.0" encoding="utf-8"?>
+<file path=ppt/slides/slide23.xml><?xml version="1.0" encoding="utf-8"?>
 <p:sld xmlns:a="http://schemas.openxmlformats.org/drawingml/2006/main" xmlns:r="http://schemas.openxmlformats.org/officeDocument/2006/relationships" xmlns:p="http://schemas.openxmlformats.org/presentationml/2006/main">
   <p:cSld>
     <p:spTree>
@@ -16400,7 +17170,7 @@
             </a:pPr>
             <a:fld id="{81D60167-4931-47E6-BA6A-407CBD079E47}" type="slidenum">
               <a:rPr dirty="0"/>
-              <a:t>22</a:t>
+              <a:t>23</a:t>
             </a:fld>
             <a:r>
               <a:rPr spc="225" dirty="0"/>
@@ -18259,6 +19029,188 @@
           <a:chExt cx="0" cy="0"/>
         </a:xfrm>
       </p:grpSpPr>
+      <p:pic>
+        <p:nvPicPr>
+          <p:cNvPr id="1026" name="Picture 2">
+            <a:extLst>
+              <a:ext uri="{FF2B5EF4-FFF2-40B4-BE49-F238E27FC236}">
+                <a16:creationId xmlns:a16="http://schemas.microsoft.com/office/drawing/2014/main" id="{8652AEE5-AA76-4D38-8414-EBB77F08D603}"/>
+              </a:ext>
+            </a:extLst>
+          </p:cNvPr>
+          <p:cNvPicPr>
+            <a:picLocks noChangeAspect="1" noChangeArrowheads="1"/>
+          </p:cNvPicPr>
+          <p:nvPr/>
+        </p:nvPicPr>
+        <p:blipFill>
+          <a:blip r:embed="rId2" cstate="print">
+            <a:extLst>
+              <a:ext uri="{28A0092B-C50C-407E-A947-70E740481C1C}">
+                <a14:useLocalDpi xmlns:a14="http://schemas.microsoft.com/office/drawing/2010/main" val="0"/>
+              </a:ext>
+            </a:extLst>
+          </a:blip>
+          <a:srcRect/>
+          <a:stretch>
+            <a:fillRect/>
+          </a:stretch>
+        </p:blipFill>
+        <p:spPr bwMode="auto">
+          <a:xfrm>
+            <a:off x="609600" y="822325"/>
+            <a:ext cx="5975350" cy="5189088"/>
+          </a:xfrm>
+          <a:prstGeom prst="rect">
+            <a:avLst/>
+          </a:prstGeom>
+          <a:noFill/>
+          <a:extLst>
+            <a:ext uri="{909E8E84-426E-40DD-AFC4-6F175D3DCCD1}">
+              <a14:hiddenFill xmlns:a14="http://schemas.microsoft.com/office/drawing/2010/main">
+                <a:solidFill>
+                  <a:srgbClr val="FFFFFF"/>
+                </a:solidFill>
+              </a14:hiddenFill>
+            </a:ext>
+          </a:extLst>
+        </p:spPr>
+      </p:pic>
+      <p:sp>
+        <p:nvSpPr>
+          <p:cNvPr id="4" name="CuadroTexto 3">
+            <a:extLst>
+              <a:ext uri="{FF2B5EF4-FFF2-40B4-BE49-F238E27FC236}">
+                <a16:creationId xmlns:a16="http://schemas.microsoft.com/office/drawing/2014/main" id="{61B18964-4B13-4412-A0CC-A42F90D36E5E}"/>
+              </a:ext>
+            </a:extLst>
+          </p:cNvPr>
+          <p:cNvSpPr txBox="1"/>
+          <p:nvPr/>
+        </p:nvSpPr>
+        <p:spPr>
+          <a:xfrm>
+            <a:off x="7239000" y="1355725"/>
+            <a:ext cx="2262158" cy="4524315"/>
+          </a:xfrm>
+          <a:prstGeom prst="rect">
+            <a:avLst/>
+          </a:prstGeom>
+          <a:noFill/>
+        </p:spPr>
+        <p:txBody>
+          <a:bodyPr wrap="none" rtlCol="0">
+            <a:spAutoFit/>
+          </a:bodyPr>
+          <a:lstStyle/>
+          <a:p>
+            <a:r>
+              <a:rPr lang="es-ES" dirty="0"/>
+              <a:t>A. Importar módulos</a:t>
+            </a:r>
+          </a:p>
+          <a:p>
+            <a:endParaRPr lang="es-ES" dirty="0"/>
+          </a:p>
+          <a:p>
+            <a:endParaRPr lang="es-ES" dirty="0"/>
+          </a:p>
+          <a:p>
+            <a:endParaRPr lang="es-ES" dirty="0"/>
+          </a:p>
+          <a:p>
+            <a:r>
+              <a:rPr lang="es-ES" dirty="0"/>
+              <a:t>B. DAG</a:t>
+            </a:r>
+          </a:p>
+          <a:p>
+            <a:endParaRPr lang="es-ES" dirty="0"/>
+          </a:p>
+          <a:p>
+            <a:endParaRPr lang="es-ES" dirty="0"/>
+          </a:p>
+          <a:p>
+            <a:endParaRPr lang="es-ES" dirty="0"/>
+          </a:p>
+          <a:p>
+            <a:endParaRPr lang="es-ES" dirty="0"/>
+          </a:p>
+          <a:p>
+            <a:r>
+              <a:rPr lang="es-ES" dirty="0"/>
+              <a:t>C. </a:t>
+            </a:r>
+            <a:r>
+              <a:rPr lang="es-ES" dirty="0" err="1"/>
+              <a:t>Task</a:t>
+            </a:r>
+            <a:r>
+              <a:rPr lang="es-ES" dirty="0"/>
+              <a:t>(</a:t>
+            </a:r>
+            <a:r>
+              <a:rPr lang="es-ES" dirty="0" err="1"/>
+              <a:t>Operators</a:t>
+            </a:r>
+            <a:r>
+              <a:rPr lang="es-ES" dirty="0"/>
+              <a:t>)</a:t>
+            </a:r>
+          </a:p>
+          <a:p>
+            <a:endParaRPr lang="es-ES" dirty="0"/>
+          </a:p>
+          <a:p>
+            <a:endParaRPr lang="es-ES" dirty="0"/>
+          </a:p>
+          <a:p>
+            <a:endParaRPr lang="es-ES" dirty="0"/>
+          </a:p>
+          <a:p>
+            <a:endParaRPr lang="es-ES" dirty="0"/>
+          </a:p>
+          <a:p>
+            <a:endParaRPr lang="es-ES" dirty="0"/>
+          </a:p>
+          <a:p>
+            <a:r>
+              <a:rPr lang="es-ES" dirty="0"/>
+              <a:t>D. Dependencias</a:t>
+            </a:r>
+          </a:p>
+        </p:txBody>
+      </p:sp>
+    </p:spTree>
+    <p:extLst>
+      <p:ext uri="{BB962C8B-B14F-4D97-AF65-F5344CB8AC3E}">
+        <p14:creationId xmlns:p14="http://schemas.microsoft.com/office/powerpoint/2010/main" val="2518548846"/>
+      </p:ext>
+    </p:extLst>
+  </p:cSld>
+  <p:clrMapOvr>
+    <a:masterClrMapping/>
+  </p:clrMapOvr>
+</p:sld>
+</file>
+
+<file path=ppt/slides/slide6.xml><?xml version="1.0" encoding="utf-8"?>
+<p:sld xmlns:a="http://schemas.openxmlformats.org/drawingml/2006/main" xmlns:r="http://schemas.openxmlformats.org/officeDocument/2006/relationships" xmlns:p="http://schemas.openxmlformats.org/presentationml/2006/main">
+  <p:cSld>
+    <p:spTree>
+      <p:nvGrpSpPr>
+        <p:cNvPr id="1" name=""/>
+        <p:cNvGrpSpPr/>
+        <p:nvPr/>
+      </p:nvGrpSpPr>
+      <p:grpSpPr>
+        <a:xfrm>
+          <a:off x="0" y="0"/>
+          <a:ext cx="0" cy="0"/>
+          <a:chOff x="0" y="0"/>
+          <a:chExt cx="0" cy="0"/>
+        </a:xfrm>
+      </p:grpSpPr>
       <p:sp>
         <p:nvSpPr>
           <p:cNvPr id="2" name="Título 1">
@@ -18424,7 +19376,7 @@
 </p:sld>
 </file>
 
-<file path=ppt/slides/slide6.xml><?xml version="1.0" encoding="utf-8"?>
+<file path=ppt/slides/slide7.xml><?xml version="1.0" encoding="utf-8"?>
 <p:sld xmlns:a="http://schemas.openxmlformats.org/drawingml/2006/main" xmlns:r="http://schemas.openxmlformats.org/officeDocument/2006/relationships" xmlns:p="http://schemas.openxmlformats.org/presentationml/2006/main">
   <p:cSld>
     <p:spTree>
@@ -18595,7 +19547,7 @@
 </p:sld>
 </file>
 
-<file path=ppt/slides/slide7.xml><?xml version="1.0" encoding="utf-8"?>
+<file path=ppt/slides/slide8.xml><?xml version="1.0" encoding="utf-8"?>
 <p:sld xmlns:a="http://schemas.openxmlformats.org/drawingml/2006/main" xmlns:r="http://schemas.openxmlformats.org/officeDocument/2006/relationships" xmlns:p="http://schemas.openxmlformats.org/presentationml/2006/main">
   <p:cSld>
     <p:spTree>
@@ -18733,7 +19685,7 @@
 </p:sld>
 </file>
 
-<file path=ppt/slides/slide8.xml><?xml version="1.0" encoding="utf-8"?>
+<file path=ppt/slides/slide9.xml><?xml version="1.0" encoding="utf-8"?>
 <p:sld xmlns:a="http://schemas.openxmlformats.org/drawingml/2006/main" xmlns:r="http://schemas.openxmlformats.org/officeDocument/2006/relationships" xmlns:p="http://schemas.openxmlformats.org/presentationml/2006/main">
   <p:cSld>
     <p:spTree>
@@ -18795,7 +19747,7 @@
         <p:spPr>
           <a:xfrm>
             <a:off x="6248400" y="1371600"/>
-            <a:ext cx="4894162" cy="4524315"/>
+            <a:ext cx="4894162" cy="4247317"/>
           </a:xfrm>
           <a:prstGeom prst="rect">
             <a:avLst/>
@@ -18822,19 +19774,6 @@
               </a:rPr>
               <a:t>En el DAG anterior, el nodo A representa el paso de manipulación de datos, que implica el paso de limpieza de datos, en el que se limpian y preprocesan los datos extraídos. </a:t>
             </a:r>
-          </a:p>
-          <a:p>
-            <a:pPr marL="285750" indent="-285750" algn="just" rtl="0">
-              <a:buFont typeface="Arial" panose="020B0604020202020204" pitchFamily="34" charset="0"/>
-              <a:buChar char="•"/>
-            </a:pPr>
-            <a:endParaRPr lang="es-ES" b="0" i="0" u="none" strike="noStrike" dirty="0">
-              <a:solidFill>
-                <a:srgbClr val="05192D"/>
-              </a:solidFill>
-              <a:effectLst/>
-              <a:latin typeface="Studio-Feixen-Sans"/>
-            </a:endParaRPr>
           </a:p>
           <a:p>
             <a:pPr marL="285750" indent="-285750" algn="just" rtl="0">
@@ -18999,775 +19938,6 @@
         <p14:creationId xmlns:p14="http://schemas.microsoft.com/office/powerpoint/2010/main" val="1949037728"/>
       </p:ext>
     </p:extLst>
-  </p:cSld>
-  <p:clrMapOvr>
-    <a:masterClrMapping/>
-  </p:clrMapOvr>
-</p:sld>
-</file>
-
-<file path=ppt/slides/slide9.xml><?xml version="1.0" encoding="utf-8"?>
-<p:sld xmlns:a="http://schemas.openxmlformats.org/drawingml/2006/main" xmlns:r="http://schemas.openxmlformats.org/officeDocument/2006/relationships" xmlns:p="http://schemas.openxmlformats.org/presentationml/2006/main">
-  <p:cSld>
-    <p:spTree>
-      <p:nvGrpSpPr>
-        <p:cNvPr id="1" name=""/>
-        <p:cNvGrpSpPr/>
-        <p:nvPr/>
-      </p:nvGrpSpPr>
-      <p:grpSpPr>
-        <a:xfrm>
-          <a:off x="0" y="0"/>
-          <a:ext cx="0" cy="0"/>
-          <a:chOff x="0" y="0"/>
-          <a:chExt cx="0" cy="0"/>
-        </a:xfrm>
-      </p:grpSpPr>
-      <p:sp>
-        <p:nvSpPr>
-          <p:cNvPr id="8" name="object 8"/>
-          <p:cNvSpPr txBox="1">
-            <a:spLocks noGrp="1"/>
-          </p:cNvSpPr>
-          <p:nvPr>
-            <p:ph type="body" idx="1"/>
-          </p:nvPr>
-        </p:nvSpPr>
-        <p:spPr>
-          <a:xfrm>
-            <a:off x="607060" y="1264164"/>
-            <a:ext cx="10215879" cy="4265680"/>
-          </a:xfrm>
-          <a:prstGeom prst="rect">
-            <a:avLst/>
-          </a:prstGeom>
-        </p:spPr>
-        <p:txBody>
-          <a:bodyPr vert="horz" wrap="square" lIns="0" tIns="394106" rIns="0" bIns="0" rtlCol="0">
-            <a:spAutoFit/>
-          </a:bodyPr>
-          <a:lstStyle/>
-          <a:p>
-            <a:pPr marL="977265" indent="-342900" algn="l">
-              <a:spcBef>
-                <a:spcPts val="90"/>
-              </a:spcBef>
-              <a:buFont typeface="Arial" panose="020B0604020202020204" pitchFamily="34" charset="0"/>
-              <a:buChar char="•"/>
-            </a:pPr>
-            <a:r>
-              <a:rPr lang="es-ES" sz="2450" b="1" spc="-20" dirty="0" err="1">
-                <a:latin typeface="Times New Roman"/>
-                <a:cs typeface="Times New Roman"/>
-              </a:rPr>
-              <a:t>Webserver</a:t>
-            </a:r>
-            <a:r>
-              <a:rPr lang="es-ES" sz="2450" b="1" spc="-20" dirty="0">
-                <a:latin typeface="Times New Roman"/>
-                <a:cs typeface="Times New Roman"/>
-              </a:rPr>
-              <a:t>:</a:t>
-            </a:r>
-            <a:r>
-              <a:rPr lang="es-ES" sz="2450" b="1" spc="-65" dirty="0">
-                <a:latin typeface="Times New Roman"/>
-                <a:cs typeface="Times New Roman"/>
-              </a:rPr>
-              <a:t> </a:t>
-            </a:r>
-            <a:r>
-              <a:rPr lang="es-ES" sz="2450" dirty="0"/>
-              <a:t>Proporciona</a:t>
-            </a:r>
-            <a:r>
-              <a:rPr lang="es-ES" sz="2450" spc="-60" dirty="0"/>
-              <a:t> </a:t>
-            </a:r>
-            <a:r>
-              <a:rPr lang="es-ES" sz="2450" dirty="0"/>
-              <a:t>la</a:t>
-            </a:r>
-            <a:r>
-              <a:rPr lang="es-ES" sz="2450" spc="-65" dirty="0"/>
-              <a:t> </a:t>
-            </a:r>
-            <a:r>
-              <a:rPr lang="es-ES" sz="2450" dirty="0"/>
-              <a:t>interfaz</a:t>
-            </a:r>
-            <a:r>
-              <a:rPr lang="es-ES" sz="2450" spc="-60" dirty="0"/>
-              <a:t> </a:t>
-            </a:r>
-            <a:r>
-              <a:rPr lang="es-ES" sz="2450" dirty="0"/>
-              <a:t>de</a:t>
-            </a:r>
-            <a:r>
-              <a:rPr lang="es-ES" sz="2450" spc="-65" dirty="0"/>
-              <a:t> </a:t>
-            </a:r>
-            <a:r>
-              <a:rPr lang="es-ES" sz="2450" dirty="0"/>
-              <a:t>usuario</a:t>
-            </a:r>
-            <a:r>
-              <a:rPr lang="es-ES" sz="2450" spc="-60" dirty="0"/>
-              <a:t> </a:t>
-            </a:r>
-            <a:r>
-              <a:rPr lang="es-ES" sz="2450" dirty="0"/>
-              <a:t>para</a:t>
-            </a:r>
-            <a:r>
-              <a:rPr lang="es-ES" sz="2450" spc="-60" dirty="0"/>
-              <a:t> </a:t>
-            </a:r>
-            <a:r>
-              <a:rPr lang="es-ES" sz="2450" dirty="0"/>
-              <a:t>visualizar</a:t>
-            </a:r>
-            <a:r>
-              <a:rPr lang="es-ES" sz="2450" spc="-65" dirty="0"/>
-              <a:t> </a:t>
-            </a:r>
-            <a:r>
-              <a:rPr lang="es-ES" sz="2450" dirty="0"/>
-              <a:t>y</a:t>
-            </a:r>
-            <a:r>
-              <a:rPr lang="es-ES" sz="2450" spc="-60" dirty="0"/>
-              <a:t> </a:t>
-            </a:r>
-            <a:r>
-              <a:rPr lang="es-ES" sz="2450" spc="-10" dirty="0"/>
-              <a:t>administrar </a:t>
-            </a:r>
-            <a:r>
-              <a:rPr lang="es-ES" sz="2450" spc="-20" dirty="0" err="1"/>
-              <a:t>DAGs</a:t>
-            </a:r>
-            <a:r>
-              <a:rPr lang="es-ES" sz="2450" spc="-20" dirty="0"/>
-              <a:t> (</a:t>
-            </a:r>
-            <a:r>
-              <a:rPr lang="es-ES" sz="2450" spc="-20" dirty="0" err="1"/>
-              <a:t>Flask</a:t>
-            </a:r>
-            <a:r>
-              <a:rPr lang="es-ES" sz="2450" spc="-20" dirty="0"/>
-              <a:t> y </a:t>
-            </a:r>
-            <a:r>
-              <a:rPr lang="es-ES" sz="2450" spc="-20" dirty="0" err="1"/>
-              <a:t>Gunicorn</a:t>
-            </a:r>
-            <a:r>
-              <a:rPr lang="es-ES" sz="2450" spc="-20" dirty="0"/>
-              <a:t>)</a:t>
-            </a:r>
-          </a:p>
-          <a:p>
-            <a:pPr marL="977265" indent="-342900" algn="l">
-              <a:spcBef>
-                <a:spcPts val="90"/>
-              </a:spcBef>
-              <a:buFont typeface="Arial" panose="020B0604020202020204" pitchFamily="34" charset="0"/>
-              <a:buChar char="•"/>
-            </a:pPr>
-            <a:r>
-              <a:rPr lang="es-ES" sz="2450" b="1" dirty="0" err="1">
-                <a:latin typeface="Times New Roman"/>
-                <a:cs typeface="Times New Roman"/>
-              </a:rPr>
-              <a:t>Metadata</a:t>
-            </a:r>
-            <a:r>
-              <a:rPr lang="es-ES" sz="2450" b="1" spc="-120" dirty="0">
-                <a:latin typeface="Times New Roman"/>
-                <a:cs typeface="Times New Roman"/>
-              </a:rPr>
-              <a:t> </a:t>
-            </a:r>
-            <a:r>
-              <a:rPr lang="es-ES" sz="2450" b="1" spc="-20" dirty="0" err="1">
-                <a:latin typeface="Times New Roman"/>
-                <a:cs typeface="Times New Roman"/>
-              </a:rPr>
-              <a:t>Database</a:t>
-            </a:r>
-            <a:r>
-              <a:rPr lang="es-ES" sz="2450" b="1" spc="-20" dirty="0">
-                <a:latin typeface="Times New Roman"/>
-                <a:cs typeface="Times New Roman"/>
-              </a:rPr>
-              <a:t>:</a:t>
-            </a:r>
-            <a:r>
-              <a:rPr lang="es-ES" sz="2450" b="1" spc="-140" dirty="0">
-                <a:latin typeface="Times New Roman"/>
-                <a:cs typeface="Times New Roman"/>
-              </a:rPr>
-              <a:t> </a:t>
-            </a:r>
-            <a:r>
-              <a:rPr lang="es-ES" sz="2450" dirty="0"/>
-              <a:t>Almacena</a:t>
-            </a:r>
-            <a:r>
-              <a:rPr lang="es-ES" sz="2450" spc="-65" dirty="0"/>
-              <a:t> </a:t>
-            </a:r>
-            <a:r>
-              <a:rPr lang="es-ES" sz="2450" dirty="0"/>
-              <a:t>información</a:t>
-            </a:r>
-            <a:r>
-              <a:rPr lang="es-ES" sz="2450" spc="-70" dirty="0"/>
-              <a:t> </a:t>
-            </a:r>
-            <a:r>
-              <a:rPr lang="es-ES" sz="2450" dirty="0"/>
-              <a:t>sobre</a:t>
-            </a:r>
-            <a:r>
-              <a:rPr lang="es-ES" sz="2450" spc="-65" dirty="0"/>
-              <a:t> </a:t>
-            </a:r>
-            <a:r>
-              <a:rPr lang="es-ES" sz="2450" dirty="0" err="1"/>
-              <a:t>DAGs</a:t>
-            </a:r>
-            <a:r>
-              <a:rPr lang="es-ES" sz="2450" dirty="0"/>
-              <a:t>,</a:t>
-            </a:r>
-            <a:r>
-              <a:rPr lang="es-ES" sz="2450" spc="-70" dirty="0"/>
-              <a:t> </a:t>
-            </a:r>
-            <a:r>
-              <a:rPr lang="es-ES" sz="2450" dirty="0"/>
-              <a:t>tareas</a:t>
-            </a:r>
-            <a:r>
-              <a:rPr lang="es-ES" sz="2450" spc="-65" dirty="0"/>
-              <a:t> </a:t>
-            </a:r>
-            <a:r>
-              <a:rPr lang="es-ES" sz="2450" spc="-50" dirty="0"/>
-              <a:t>y </a:t>
-            </a:r>
-            <a:r>
-              <a:rPr lang="es-ES" sz="2450" spc="-10" dirty="0"/>
-              <a:t>ejecuciones</a:t>
-            </a:r>
-            <a:endParaRPr lang="es-ES" sz="2450" b="1" dirty="0">
-              <a:latin typeface="Times New Roman"/>
-              <a:cs typeface="Times New Roman"/>
-            </a:endParaRPr>
-          </a:p>
-          <a:p>
-            <a:pPr marL="977265" indent="-342900" algn="l">
-              <a:lnSpc>
-                <a:spcPct val="100000"/>
-              </a:lnSpc>
-              <a:spcBef>
-                <a:spcPts val="90"/>
-              </a:spcBef>
-              <a:buFont typeface="Arial" panose="020B0604020202020204" pitchFamily="34" charset="0"/>
-              <a:buChar char="•"/>
-            </a:pPr>
-            <a:r>
-              <a:rPr sz="2450" b="1" dirty="0">
-                <a:latin typeface="Times New Roman"/>
-                <a:cs typeface="Times New Roman"/>
-              </a:rPr>
-              <a:t>Scheduler:</a:t>
-            </a:r>
-            <a:r>
-              <a:rPr sz="2450" b="1" spc="-80" dirty="0">
-                <a:latin typeface="Times New Roman"/>
-                <a:cs typeface="Times New Roman"/>
-              </a:rPr>
-              <a:t> </a:t>
-            </a:r>
-            <a:r>
-              <a:rPr sz="2450" dirty="0"/>
-              <a:t>Monitorea</a:t>
-            </a:r>
-            <a:r>
-              <a:rPr sz="2450" spc="-80" dirty="0"/>
-              <a:t> </a:t>
-            </a:r>
-            <a:r>
-              <a:rPr sz="2450" dirty="0"/>
-              <a:t>DAGs</a:t>
-            </a:r>
-            <a:r>
-              <a:rPr sz="2450" spc="-80" dirty="0"/>
-              <a:t> </a:t>
-            </a:r>
-            <a:r>
-              <a:rPr sz="2450" dirty="0"/>
-              <a:t>y</a:t>
-            </a:r>
-            <a:r>
-              <a:rPr sz="2450" spc="-80" dirty="0"/>
-              <a:t> </a:t>
-            </a:r>
-            <a:r>
-              <a:rPr sz="2450" dirty="0"/>
-              <a:t>activa</a:t>
-            </a:r>
-            <a:r>
-              <a:rPr sz="2450" spc="-80" dirty="0"/>
-              <a:t> </a:t>
-            </a:r>
-            <a:r>
-              <a:rPr sz="2450" dirty="0"/>
-              <a:t>ejecuciones</a:t>
-            </a:r>
-            <a:r>
-              <a:rPr sz="2450" spc="-80" dirty="0"/>
-              <a:t> </a:t>
-            </a:r>
-            <a:r>
-              <a:rPr sz="2450" dirty="0" err="1"/>
-              <a:t>según</a:t>
-            </a:r>
-            <a:r>
-              <a:rPr sz="2450" spc="-75" dirty="0"/>
-              <a:t> </a:t>
-            </a:r>
-            <a:r>
-              <a:rPr sz="2450" spc="-10" dirty="0" err="1"/>
-              <a:t>programación</a:t>
-            </a:r>
-            <a:endParaRPr lang="es-ES" sz="2450" spc="-10" dirty="0"/>
-          </a:p>
-          <a:p>
-            <a:pPr marL="977265" indent="-342900" algn="l">
-              <a:spcBef>
-                <a:spcPts val="90"/>
-              </a:spcBef>
-              <a:buFont typeface="Arial" panose="020B0604020202020204" pitchFamily="34" charset="0"/>
-              <a:buChar char="•"/>
-            </a:pPr>
-            <a:r>
-              <a:rPr lang="es-ES" sz="2450" b="1" spc="-10" dirty="0" err="1">
-                <a:latin typeface="Times New Roman"/>
-                <a:cs typeface="Times New Roman"/>
-              </a:rPr>
-              <a:t>Queue</a:t>
-            </a:r>
-            <a:r>
-              <a:rPr lang="es-ES" sz="2450" spc="-10" dirty="0">
-                <a:latin typeface="Times New Roman"/>
-                <a:cs typeface="Times New Roman"/>
-              </a:rPr>
-              <a:t>: Responsable de mantener </a:t>
-            </a:r>
-            <a:r>
-              <a:rPr lang="es-ES" sz="2450" spc="-10" dirty="0"/>
-              <a:t>el orden en la ejecución de las tareas</a:t>
-            </a:r>
-            <a:endParaRPr sz="2450" dirty="0">
-              <a:latin typeface="Times New Roman"/>
-              <a:cs typeface="Times New Roman"/>
-            </a:endParaRPr>
-          </a:p>
-          <a:p>
-            <a:pPr marL="977265" indent="-342900" algn="l">
-              <a:lnSpc>
-                <a:spcPct val="100000"/>
-              </a:lnSpc>
-              <a:spcBef>
-                <a:spcPts val="1660"/>
-              </a:spcBef>
-              <a:buFont typeface="Arial" panose="020B0604020202020204" pitchFamily="34" charset="0"/>
-              <a:buChar char="•"/>
-            </a:pPr>
-            <a:r>
-              <a:rPr sz="2450" b="1" dirty="0">
-                <a:latin typeface="Times New Roman"/>
-                <a:cs typeface="Times New Roman"/>
-              </a:rPr>
-              <a:t>Executor:</a:t>
-            </a:r>
-            <a:r>
-              <a:rPr sz="2450" b="1" spc="-75" dirty="0">
-                <a:latin typeface="Times New Roman"/>
-                <a:cs typeface="Times New Roman"/>
-              </a:rPr>
-              <a:t> </a:t>
-            </a:r>
-            <a:r>
-              <a:rPr sz="2450" dirty="0"/>
-              <a:t>Determina</a:t>
-            </a:r>
-            <a:r>
-              <a:rPr sz="2450" spc="-70" dirty="0"/>
-              <a:t> </a:t>
-            </a:r>
-            <a:r>
-              <a:rPr sz="2450" dirty="0"/>
-              <a:t>cómo</a:t>
-            </a:r>
-            <a:r>
-              <a:rPr sz="2450" spc="-70" dirty="0"/>
-              <a:t> </a:t>
-            </a:r>
-            <a:r>
-              <a:rPr sz="2450" dirty="0"/>
-              <a:t>se</a:t>
-            </a:r>
-            <a:r>
-              <a:rPr sz="2450" spc="-75" dirty="0"/>
-              <a:t> </a:t>
-            </a:r>
-            <a:r>
-              <a:rPr sz="2450" dirty="0"/>
-              <a:t>ejecutan</a:t>
-            </a:r>
-            <a:r>
-              <a:rPr sz="2450" spc="-70" dirty="0"/>
-              <a:t> </a:t>
-            </a:r>
-            <a:r>
-              <a:rPr sz="2450" dirty="0"/>
-              <a:t>las</a:t>
-            </a:r>
-            <a:r>
-              <a:rPr sz="2450" spc="-75" dirty="0"/>
-              <a:t> </a:t>
-            </a:r>
-            <a:r>
-              <a:rPr sz="2450" dirty="0"/>
-              <a:t>tareas</a:t>
-            </a:r>
-            <a:r>
-              <a:rPr sz="2450" spc="-70" dirty="0"/>
-              <a:t> </a:t>
-            </a:r>
-            <a:r>
-              <a:rPr sz="2450" dirty="0"/>
-              <a:t>(local,</a:t>
-            </a:r>
-            <a:r>
-              <a:rPr sz="2450" spc="-70" dirty="0"/>
-              <a:t> </a:t>
-            </a:r>
-            <a:r>
-              <a:rPr sz="2450" spc="-20" dirty="0"/>
-              <a:t>Celery,</a:t>
-            </a:r>
-            <a:r>
-              <a:rPr sz="2450" spc="-75" dirty="0"/>
-              <a:t> </a:t>
-            </a:r>
-            <a:r>
-              <a:rPr sz="2450" spc="-10" dirty="0"/>
-              <a:t>Kubernetes)</a:t>
-            </a:r>
-            <a:endParaRPr lang="es-ES" sz="2450" spc="-10" dirty="0"/>
-          </a:p>
-          <a:p>
-            <a:pPr marL="977265" indent="-342900" algn="l">
-              <a:lnSpc>
-                <a:spcPct val="100000"/>
-              </a:lnSpc>
-              <a:spcBef>
-                <a:spcPts val="1735"/>
-              </a:spcBef>
-              <a:buFont typeface="Arial" panose="020B0604020202020204" pitchFamily="34" charset="0"/>
-              <a:buChar char="•"/>
-            </a:pPr>
-            <a:r>
-              <a:rPr sz="2450" b="1" spc="-20" dirty="0">
-                <a:latin typeface="Times New Roman"/>
-                <a:cs typeface="Times New Roman"/>
-              </a:rPr>
-              <a:t>Workers:</a:t>
-            </a:r>
-            <a:r>
-              <a:rPr sz="2450" b="1" spc="-70" dirty="0">
-                <a:latin typeface="Times New Roman"/>
-                <a:cs typeface="Times New Roman"/>
-              </a:rPr>
-              <a:t> </a:t>
-            </a:r>
-            <a:r>
-              <a:rPr sz="2450" dirty="0"/>
-              <a:t>Procesos</a:t>
-            </a:r>
-            <a:r>
-              <a:rPr sz="2450" spc="-65" dirty="0"/>
-              <a:t> </a:t>
-            </a:r>
-            <a:r>
-              <a:rPr sz="2450" dirty="0"/>
-              <a:t>que</a:t>
-            </a:r>
-            <a:r>
-              <a:rPr sz="2450" spc="-65" dirty="0"/>
-              <a:t> </a:t>
-            </a:r>
-            <a:r>
-              <a:rPr sz="2450" dirty="0"/>
-              <a:t>ejecutan</a:t>
-            </a:r>
-            <a:r>
-              <a:rPr sz="2450" spc="-65" dirty="0"/>
-              <a:t> </a:t>
-            </a:r>
-            <a:r>
-              <a:rPr sz="2450" dirty="0"/>
-              <a:t>las</a:t>
-            </a:r>
-            <a:r>
-              <a:rPr sz="2450" spc="-65" dirty="0"/>
-              <a:t> </a:t>
-            </a:r>
-            <a:r>
-              <a:rPr sz="2450" dirty="0" err="1"/>
-              <a:t>tareas</a:t>
-            </a:r>
-            <a:r>
-              <a:rPr sz="2450" spc="-65" dirty="0"/>
-              <a:t> </a:t>
-            </a:r>
-            <a:r>
-              <a:rPr sz="2450" spc="-10" dirty="0" err="1"/>
-              <a:t>asignadas</a:t>
-            </a:r>
-            <a:r>
-              <a:rPr lang="es-ES" sz="2450" spc="-10" dirty="0"/>
-              <a:t>.</a:t>
-            </a:r>
-            <a:endParaRPr sz="2450" dirty="0">
-              <a:latin typeface="Times New Roman"/>
-              <a:cs typeface="Times New Roman"/>
-            </a:endParaRPr>
-          </a:p>
-        </p:txBody>
-      </p:sp>
-      <p:sp>
-        <p:nvSpPr>
-          <p:cNvPr id="2" name="object 2"/>
-          <p:cNvSpPr txBox="1">
-            <a:spLocks noGrp="1"/>
-          </p:cNvSpPr>
-          <p:nvPr>
-            <p:ph type="title"/>
-          </p:nvPr>
-        </p:nvSpPr>
-        <p:spPr>
-          <a:prstGeom prst="rect">
-            <a:avLst/>
-          </a:prstGeom>
-        </p:spPr>
-        <p:txBody>
-          <a:bodyPr vert="horz" wrap="square" lIns="0" tIns="17145" rIns="0" bIns="0" rtlCol="0">
-            <a:spAutoFit/>
-          </a:bodyPr>
-          <a:lstStyle/>
-          <a:p>
-            <a:pPr marL="958215">
-              <a:lnSpc>
-                <a:spcPct val="100000"/>
-              </a:lnSpc>
-              <a:spcBef>
-                <a:spcPts val="135"/>
-              </a:spcBef>
-            </a:pPr>
-            <a:r>
-              <a:rPr dirty="0"/>
-              <a:t>Arquitectura</a:t>
-            </a:r>
-            <a:r>
-              <a:rPr spc="-30" dirty="0"/>
-              <a:t> </a:t>
-            </a:r>
-            <a:r>
-              <a:rPr dirty="0"/>
-              <a:t>de</a:t>
-            </a:r>
-            <a:r>
-              <a:rPr spc="-345" dirty="0"/>
-              <a:t> </a:t>
-            </a:r>
-            <a:r>
-              <a:rPr spc="-10" dirty="0"/>
-              <a:t>Airflow</a:t>
-            </a:r>
-          </a:p>
-        </p:txBody>
-      </p:sp>
-      <p:sp>
-        <p:nvSpPr>
-          <p:cNvPr id="9" name="object 9"/>
-          <p:cNvSpPr/>
-          <p:nvPr/>
-        </p:nvSpPr>
-        <p:spPr>
-          <a:xfrm>
-            <a:off x="114299" y="6305549"/>
-            <a:ext cx="438150" cy="247650"/>
-          </a:xfrm>
-          <a:custGeom>
-            <a:avLst/>
-            <a:gdLst/>
-            <a:ahLst/>
-            <a:cxnLst/>
-            <a:rect l="l" t="t" r="r" b="b"/>
-            <a:pathLst>
-              <a:path w="438150" h="247650">
-                <a:moveTo>
-                  <a:pt x="438149" y="247649"/>
-                </a:moveTo>
-                <a:lnTo>
-                  <a:pt x="0" y="247649"/>
-                </a:lnTo>
-                <a:lnTo>
-                  <a:pt x="0" y="0"/>
-                </a:lnTo>
-                <a:lnTo>
-                  <a:pt x="438149" y="0"/>
-                </a:lnTo>
-                <a:lnTo>
-                  <a:pt x="438149" y="247649"/>
-                </a:lnTo>
-                <a:close/>
-              </a:path>
-            </a:pathLst>
-          </a:custGeom>
-          <a:solidFill>
-            <a:srgbClr val="000000">
-              <a:alpha val="39999"/>
-            </a:srgbClr>
-          </a:solidFill>
-        </p:spPr>
-        <p:txBody>
-          <a:bodyPr wrap="square" lIns="0" tIns="0" rIns="0" bIns="0" rtlCol="0"/>
-          <a:lstStyle/>
-          <a:p>
-            <a:endParaRPr/>
-          </a:p>
-        </p:txBody>
-      </p:sp>
-      <p:sp>
-        <p:nvSpPr>
-          <p:cNvPr id="10" name="object 10"/>
-          <p:cNvSpPr txBox="1">
-            <a:spLocks noGrp="1"/>
-          </p:cNvSpPr>
-          <p:nvPr>
-            <p:ph type="ftr" sz="quarter" idx="5"/>
-          </p:nvPr>
-        </p:nvSpPr>
-        <p:spPr>
-          <a:prstGeom prst="rect">
-            <a:avLst/>
-          </a:prstGeom>
-        </p:spPr>
-        <p:txBody>
-          <a:bodyPr vert="horz" wrap="square" lIns="0" tIns="0" rIns="0" bIns="0" rtlCol="0">
-            <a:spAutoFit/>
-          </a:bodyPr>
-          <a:lstStyle/>
-          <a:p>
-            <a:pPr marL="12700">
-              <a:lnSpc>
-                <a:spcPts val="1920"/>
-              </a:lnSpc>
-            </a:pPr>
-            <a:r>
-              <a:rPr dirty="0"/>
-              <a:t>Apache</a:t>
-            </a:r>
-            <a:r>
-              <a:rPr spc="-55" dirty="0"/>
-              <a:t> </a:t>
-            </a:r>
-            <a:r>
-              <a:rPr dirty="0"/>
-              <a:t>Airflow</a:t>
-            </a:r>
-            <a:r>
-              <a:rPr spc="50" dirty="0"/>
-              <a:t> </a:t>
-            </a:r>
-            <a:r>
-              <a:rPr dirty="0"/>
-              <a:t>para</a:t>
-            </a:r>
-            <a:r>
-              <a:rPr spc="55" dirty="0"/>
-              <a:t> </a:t>
-            </a:r>
-            <a:r>
-              <a:rPr spc="-25" dirty="0"/>
-              <a:t>ETL</a:t>
-            </a:r>
-          </a:p>
-        </p:txBody>
-      </p:sp>
-      <p:sp>
-        <p:nvSpPr>
-          <p:cNvPr id="11" name="object 11"/>
-          <p:cNvSpPr txBox="1">
-            <a:spLocks noGrp="1"/>
-          </p:cNvSpPr>
-          <p:nvPr>
-            <p:ph type="sldNum" sz="quarter" idx="7"/>
-          </p:nvPr>
-        </p:nvSpPr>
-        <p:spPr>
-          <a:prstGeom prst="rect">
-            <a:avLst/>
-          </a:prstGeom>
-        </p:spPr>
-        <p:txBody>
-          <a:bodyPr vert="horz" wrap="square" lIns="0" tIns="1905" rIns="0" bIns="0" rtlCol="0">
-            <a:spAutoFit/>
-          </a:bodyPr>
-          <a:lstStyle/>
-          <a:p>
-            <a:pPr marL="38100">
-              <a:lnSpc>
-                <a:spcPct val="100000"/>
-              </a:lnSpc>
-              <a:spcBef>
-                <a:spcPts val="15"/>
-              </a:spcBef>
-            </a:pPr>
-            <a:fld id="{81D60167-4931-47E6-BA6A-407CBD079E47}" type="slidenum">
-              <a:rPr dirty="0"/>
-              <a:t>9</a:t>
-            </a:fld>
-            <a:r>
-              <a:rPr spc="225" dirty="0"/>
-              <a:t> </a:t>
-            </a:r>
-            <a:r>
-              <a:rPr dirty="0"/>
-              <a:t>/</a:t>
-            </a:r>
-            <a:r>
-              <a:rPr spc="225" dirty="0"/>
-              <a:t> </a:t>
-            </a:r>
-            <a:r>
-              <a:rPr spc="-25" dirty="0"/>
-              <a:t>20</a:t>
-            </a:r>
-          </a:p>
-        </p:txBody>
-      </p:sp>
-    </p:spTree>
   </p:cSld>
   <p:clrMapOvr>
     <a:masterClrMapping/>

--- a/Apache_Airflow_para_ETL.pptx
+++ b/Apache_Airflow_para_ETL.pptx
@@ -2475,7 +2475,7 @@
         <p:spPr>
           <a:xfrm>
             <a:off x="607060" y="1264164"/>
-            <a:ext cx="10215879" cy="4265680"/>
+            <a:ext cx="10215879" cy="3855311"/>
           </a:xfrm>
           <a:prstGeom prst="rect">
             <a:avLst/>
@@ -2785,7 +2785,10 @@
               <a:rPr sz="2450" spc="-10" dirty="0" err="1"/>
               <a:t>programación</a:t>
             </a:r>
-            <a:endParaRPr lang="es-ES" sz="2450" spc="-10" dirty="0"/>
+            <a:r>
+              <a:rPr lang="es-ES" sz="2450" spc="-10" dirty="0"/>
+              <a:t>.</a:t>
+            </a:r>
           </a:p>
           <a:p>
             <a:pPr marL="977265" indent="-342900" algn="l">
@@ -2813,18 +2816,11 @@
               <a:rPr lang="es-ES" sz="2450" spc="-10" dirty="0"/>
               <a:t>el orden en la ejecución de las tareas</a:t>
             </a:r>
-            <a:endParaRPr sz="2450" dirty="0">
-              <a:latin typeface="Times New Roman"/>
-              <a:cs typeface="Times New Roman"/>
-            </a:endParaRPr>
           </a:p>
           <a:p>
             <a:pPr marL="977265" indent="-342900" algn="l">
-              <a:lnSpc>
-                <a:spcPct val="100000"/>
-              </a:lnSpc>
               <a:spcBef>
-                <a:spcPts val="1660"/>
+                <a:spcPts val="90"/>
               </a:spcBef>
               <a:buFont typeface="Arial" panose="020B0604020202020204" pitchFamily="34" charset="0"/>
               <a:buChar char="•"/>
@@ -2915,11 +2911,8 @@
           </a:p>
           <a:p>
             <a:pPr marL="977265" indent="-342900" algn="l">
-              <a:lnSpc>
-                <a:spcPct val="100000"/>
-              </a:lnSpc>
               <a:spcBef>
-                <a:spcPts val="1735"/>
+                <a:spcPts val="90"/>
               </a:spcBef>
               <a:buFont typeface="Arial" panose="020B0604020202020204" pitchFamily="34" charset="0"/>
               <a:buChar char="•"/>
@@ -12060,17 +12053,10 @@
           <a:bodyPr/>
           <a:lstStyle/>
           <a:p>
+            <a:pPr algn="ctr"/>
             <a:r>
               <a:rPr lang="es-ES" dirty="0"/>
-              <a:t>Data </a:t>
-            </a:r>
-            <a:r>
-              <a:rPr lang="es-ES" dirty="0" err="1"/>
-              <a:t>Orchestration</a:t>
-            </a:r>
-            <a:r>
-              <a:rPr lang="es-ES" dirty="0"/>
-              <a:t> Fundamentals</a:t>
+              <a:t>Fundamentos de Orquestación de datos</a:t>
             </a:r>
           </a:p>
         </p:txBody>
@@ -12093,8 +12079,8 @@
         </p:nvSpPr>
         <p:spPr>
           <a:xfrm>
-            <a:off x="914400" y="1264164"/>
-            <a:ext cx="10058400" cy="4907113"/>
+            <a:off x="914400" y="2041525"/>
+            <a:ext cx="10058400" cy="4396012"/>
           </a:xfrm>
         </p:spPr>
         <p:txBody>
@@ -12122,28 +12108,8 @@
                 <a:latin typeface="Times New Roman" panose="02020603050405020304" pitchFamily="18" charset="0"/>
                 <a:cs typeface="Times New Roman" panose="02020603050405020304" pitchFamily="18" charset="0"/>
               </a:rPr>
-              <a:t>La orquestación de datos es la coordinación y automatización del flujo de datos a través de varias herramientas y sistemas para ofrecer productos de datos y análisis de calidad </a:t>
-            </a:r>
-          </a:p>
-          <a:p>
-            <a:pPr marL="469900" marR="1022350" indent="-457200" algn="just">
-              <a:lnSpc>
-                <a:spcPct val="118400"/>
-              </a:lnSpc>
-              <a:spcBef>
-                <a:spcPts val="95"/>
-              </a:spcBef>
-              <a:buFont typeface="Arial" panose="020B0604020202020204" pitchFamily="34" charset="0"/>
-              <a:buChar char="•"/>
-            </a:pPr>
-            <a:endParaRPr lang="es-ES" b="0" i="0" dirty="0">
-              <a:solidFill>
-                <a:srgbClr val="333333"/>
-              </a:solidFill>
-              <a:effectLst/>
-              <a:latin typeface="Times New Roman" panose="02020603050405020304" pitchFamily="18" charset="0"/>
-              <a:cs typeface="Times New Roman" panose="02020603050405020304" pitchFamily="18" charset="0"/>
-            </a:endParaRPr>
+              <a:t>La orquestación de datos es la coordinación y automatización del flujo de datos a través de varias herramientas y sistemas para ofrecer productos de datos y análisis de calidad.</a:t>
+            </a:r>
           </a:p>
           <a:p>
             <a:pPr marL="469900" marR="1022350" indent="-457200" algn="just">
@@ -18237,6 +18203,466 @@
       </p:grpSpPr>
       <p:sp>
         <p:nvSpPr>
+          <p:cNvPr id="8" name="object 8"/>
+          <p:cNvSpPr txBox="1">
+            <a:spLocks noGrp="1"/>
+          </p:cNvSpPr>
+          <p:nvPr>
+            <p:ph type="body" idx="1"/>
+          </p:nvPr>
+        </p:nvSpPr>
+        <p:spPr>
+          <a:xfrm>
+            <a:off x="607060" y="1264164"/>
+            <a:ext cx="10215879" cy="4825057"/>
+          </a:xfrm>
+          <a:prstGeom prst="rect">
+            <a:avLst/>
+          </a:prstGeom>
+        </p:spPr>
+        <p:txBody>
+          <a:bodyPr vert="horz" wrap="square" lIns="0" tIns="290213" rIns="0" bIns="0" rtlCol="0">
+            <a:spAutoFit/>
+          </a:bodyPr>
+          <a:lstStyle/>
+          <a:p>
+            <a:pPr marL="986155" marR="532130" indent="-342900">
+              <a:lnSpc>
+                <a:spcPct val="118600"/>
+              </a:lnSpc>
+              <a:spcBef>
+                <a:spcPts val="95"/>
+              </a:spcBef>
+              <a:buFont typeface="Arial" panose="020B0604020202020204" pitchFamily="34" charset="0"/>
+              <a:buChar char="•"/>
+            </a:pPr>
+            <a:r>
+              <a:rPr sz="2500" b="1" dirty="0">
+                <a:latin typeface="Times New Roman"/>
+                <a:cs typeface="Times New Roman"/>
+              </a:rPr>
+              <a:t>DAG</a:t>
+            </a:r>
+            <a:r>
+              <a:rPr sz="2500" b="1" spc="5" dirty="0">
+                <a:latin typeface="Times New Roman"/>
+                <a:cs typeface="Times New Roman"/>
+              </a:rPr>
+              <a:t> </a:t>
+            </a:r>
+            <a:r>
+              <a:rPr sz="2500" b="1" spc="-10" dirty="0">
+                <a:latin typeface="Times New Roman"/>
+                <a:cs typeface="Times New Roman"/>
+              </a:rPr>
+              <a:t>(Directed</a:t>
+            </a:r>
+            <a:r>
+              <a:rPr sz="2500" b="1" spc="-140" dirty="0">
+                <a:latin typeface="Times New Roman"/>
+                <a:cs typeface="Times New Roman"/>
+              </a:rPr>
+              <a:t> </a:t>
+            </a:r>
+            <a:r>
+              <a:rPr sz="2500" b="1" dirty="0">
+                <a:latin typeface="Times New Roman"/>
+                <a:cs typeface="Times New Roman"/>
+              </a:rPr>
+              <a:t>Acyclic</a:t>
+            </a:r>
+            <a:r>
+              <a:rPr sz="2500" b="1" spc="5" dirty="0">
+                <a:latin typeface="Times New Roman"/>
+                <a:cs typeface="Times New Roman"/>
+              </a:rPr>
+              <a:t> </a:t>
+            </a:r>
+            <a:r>
+              <a:rPr sz="2500" b="1" dirty="0">
+                <a:latin typeface="Times New Roman"/>
+                <a:cs typeface="Times New Roman"/>
+              </a:rPr>
+              <a:t>Graph):</a:t>
+            </a:r>
+            <a:r>
+              <a:rPr sz="2500" b="1" spc="5" dirty="0">
+                <a:latin typeface="Times New Roman"/>
+                <a:cs typeface="Times New Roman"/>
+              </a:rPr>
+              <a:t> </a:t>
+            </a:r>
+            <a:r>
+              <a:rPr sz="2500" dirty="0"/>
+              <a:t>Representación</a:t>
+            </a:r>
+            <a:r>
+              <a:rPr sz="2500" spc="5" dirty="0"/>
+              <a:t> </a:t>
+            </a:r>
+            <a:r>
+              <a:rPr sz="2500" dirty="0"/>
+              <a:t>del</a:t>
+            </a:r>
+            <a:r>
+              <a:rPr sz="2500" spc="5" dirty="0"/>
+              <a:t> </a:t>
+            </a:r>
+            <a:r>
+              <a:rPr sz="2500" dirty="0"/>
+              <a:t>flujo</a:t>
+            </a:r>
+            <a:r>
+              <a:rPr sz="2500" spc="5" dirty="0"/>
+              <a:t> </a:t>
+            </a:r>
+            <a:r>
+              <a:rPr sz="2500" dirty="0"/>
+              <a:t>de</a:t>
+            </a:r>
+            <a:r>
+              <a:rPr sz="2500" spc="10" dirty="0"/>
+              <a:t> </a:t>
+            </a:r>
+            <a:r>
+              <a:rPr sz="2500" spc="-10" dirty="0" err="1"/>
+              <a:t>trabajo</a:t>
+            </a:r>
+            <a:r>
+              <a:rPr sz="2500" spc="-10" dirty="0"/>
+              <a:t> </a:t>
+            </a:r>
+            <a:r>
+              <a:rPr sz="2500" spc="-10" dirty="0" err="1"/>
+              <a:t>completo</a:t>
+            </a:r>
+            <a:endParaRPr lang="es-ES" sz="2500" spc="-10" dirty="0"/>
+          </a:p>
+          <a:p>
+            <a:pPr marL="986155" marR="532130" indent="-342900">
+              <a:lnSpc>
+                <a:spcPct val="118600"/>
+              </a:lnSpc>
+              <a:spcBef>
+                <a:spcPts val="95"/>
+              </a:spcBef>
+              <a:buFont typeface="Arial" panose="020B0604020202020204" pitchFamily="34" charset="0"/>
+              <a:buChar char="•"/>
+            </a:pPr>
+            <a:r>
+              <a:rPr lang="es-ES" sz="2500" b="1" dirty="0" err="1">
+                <a:latin typeface="Times New Roman"/>
+                <a:cs typeface="Times New Roman"/>
+              </a:rPr>
+              <a:t>Operators</a:t>
+            </a:r>
+            <a:r>
+              <a:rPr lang="es-ES" sz="2500" b="1" dirty="0">
+                <a:latin typeface="Times New Roman"/>
+                <a:cs typeface="Times New Roman"/>
+              </a:rPr>
+              <a:t>:</a:t>
+            </a:r>
+            <a:r>
+              <a:rPr lang="es-ES" sz="2500" b="1" spc="-10" dirty="0">
+                <a:latin typeface="Times New Roman"/>
+                <a:cs typeface="Times New Roman"/>
+              </a:rPr>
+              <a:t> </a:t>
+            </a:r>
+            <a:r>
+              <a:rPr lang="es-ES" sz="2500" dirty="0"/>
+              <a:t>Plantillas</a:t>
+            </a:r>
+            <a:r>
+              <a:rPr lang="es-ES" sz="2500" spc="-10" dirty="0"/>
+              <a:t> </a:t>
+            </a:r>
+            <a:r>
+              <a:rPr lang="es-ES" sz="2500" dirty="0"/>
+              <a:t>predefinidas</a:t>
+            </a:r>
+            <a:r>
+              <a:rPr lang="es-ES" sz="2500" spc="-5" dirty="0"/>
+              <a:t> </a:t>
+            </a:r>
+            <a:r>
+              <a:rPr lang="es-ES" sz="2500" dirty="0"/>
+              <a:t>para</a:t>
+            </a:r>
+            <a:r>
+              <a:rPr lang="es-ES" sz="2500" spc="-10" dirty="0"/>
+              <a:t> </a:t>
+            </a:r>
+            <a:r>
+              <a:rPr lang="es-ES" sz="2500" dirty="0"/>
+              <a:t>ejecutar</a:t>
+            </a:r>
+            <a:r>
+              <a:rPr lang="es-ES" sz="2500" spc="-10" dirty="0"/>
+              <a:t> </a:t>
+            </a:r>
+            <a:r>
+              <a:rPr lang="es-ES" sz="2500" dirty="0"/>
+              <a:t>tareas</a:t>
+            </a:r>
+            <a:r>
+              <a:rPr lang="es-ES" sz="2500" spc="-5" dirty="0"/>
+              <a:t> </a:t>
+            </a:r>
+            <a:r>
+              <a:rPr lang="es-ES" sz="2500" spc="-10" dirty="0"/>
+              <a:t>específicas</a:t>
+            </a:r>
+          </a:p>
+          <a:p>
+            <a:pPr marL="986155" marR="532130" indent="-342900">
+              <a:lnSpc>
+                <a:spcPct val="118600"/>
+              </a:lnSpc>
+              <a:spcBef>
+                <a:spcPts val="95"/>
+              </a:spcBef>
+              <a:buFont typeface="Arial" panose="020B0604020202020204" pitchFamily="34" charset="0"/>
+              <a:buChar char="•"/>
+            </a:pPr>
+            <a:r>
+              <a:rPr lang="pt-BR" sz="2500" b="1" spc="-25" dirty="0" err="1">
+                <a:latin typeface="Times New Roman"/>
+                <a:cs typeface="Times New Roman"/>
+              </a:rPr>
+              <a:t>Task</a:t>
+            </a:r>
+            <a:r>
+              <a:rPr lang="pt-BR" sz="2500" b="1" spc="-25" dirty="0">
+                <a:latin typeface="Times New Roman"/>
+                <a:cs typeface="Times New Roman"/>
+              </a:rPr>
+              <a:t>:</a:t>
+            </a:r>
+            <a:r>
+              <a:rPr lang="pt-BR" sz="2500" b="1" spc="-30" dirty="0">
+                <a:latin typeface="Times New Roman"/>
+                <a:cs typeface="Times New Roman"/>
+              </a:rPr>
+              <a:t> </a:t>
+            </a:r>
+            <a:r>
+              <a:rPr lang="pt-BR" sz="2500" dirty="0"/>
+              <a:t>Instancias</a:t>
+            </a:r>
+            <a:r>
+              <a:rPr lang="pt-BR" sz="2500" spc="-25" dirty="0"/>
+              <a:t> </a:t>
+            </a:r>
+            <a:r>
+              <a:rPr lang="pt-BR" sz="2500" dirty="0"/>
+              <a:t>parametrizadas</a:t>
+            </a:r>
+            <a:r>
+              <a:rPr lang="pt-BR" sz="2500" spc="-30" dirty="0"/>
+              <a:t> </a:t>
+            </a:r>
+            <a:r>
+              <a:rPr lang="pt-BR" sz="2500" dirty="0"/>
+              <a:t>de</a:t>
+            </a:r>
+            <a:r>
+              <a:rPr lang="pt-BR" sz="2500" spc="-25" dirty="0"/>
+              <a:t> </a:t>
+            </a:r>
+            <a:r>
+              <a:rPr lang="pt-BR" sz="2500" spc="-10" dirty="0"/>
+              <a:t>operadores</a:t>
+            </a:r>
+          </a:p>
+          <a:p>
+            <a:pPr marL="986155" indent="-342900">
+              <a:lnSpc>
+                <a:spcPct val="100000"/>
+              </a:lnSpc>
+              <a:spcBef>
+                <a:spcPts val="1815"/>
+              </a:spcBef>
+              <a:buFont typeface="Arial" panose="020B0604020202020204" pitchFamily="34" charset="0"/>
+              <a:buChar char="•"/>
+            </a:pPr>
+            <a:r>
+              <a:rPr sz="2500" b="1" dirty="0" err="1">
+                <a:latin typeface="Times New Roman"/>
+                <a:cs typeface="Times New Roman"/>
+              </a:rPr>
+              <a:t>Dependencias</a:t>
+            </a:r>
+            <a:r>
+              <a:rPr sz="2500" b="1" dirty="0">
+                <a:latin typeface="Times New Roman"/>
+                <a:cs typeface="Times New Roman"/>
+              </a:rPr>
+              <a:t>:</a:t>
+            </a:r>
+            <a:r>
+              <a:rPr sz="2500" b="1" spc="-5" dirty="0">
+                <a:latin typeface="Times New Roman"/>
+                <a:cs typeface="Times New Roman"/>
+              </a:rPr>
+              <a:t> </a:t>
+            </a:r>
+            <a:r>
+              <a:rPr sz="2500" dirty="0"/>
+              <a:t>Relaciones entre</a:t>
+            </a:r>
+            <a:r>
+              <a:rPr sz="2500" spc="-5" dirty="0"/>
+              <a:t> </a:t>
+            </a:r>
+            <a:r>
+              <a:rPr sz="2500" dirty="0"/>
+              <a:t>tareas que</a:t>
+            </a:r>
+            <a:r>
+              <a:rPr sz="2500" spc="-5" dirty="0"/>
+              <a:t> </a:t>
+            </a:r>
+            <a:r>
+              <a:rPr sz="2500" dirty="0"/>
+              <a:t>definen el orden</a:t>
+            </a:r>
+            <a:r>
+              <a:rPr sz="2500" spc="-5" dirty="0"/>
+              <a:t> </a:t>
+            </a:r>
+            <a:r>
+              <a:rPr sz="2500" dirty="0"/>
+              <a:t>de </a:t>
+            </a:r>
+            <a:r>
+              <a:rPr sz="2500" spc="-10" dirty="0" err="1"/>
+              <a:t>ejecución</a:t>
+            </a:r>
+            <a:endParaRPr lang="es-ES" sz="2500" spc="-10" dirty="0"/>
+          </a:p>
+          <a:p>
+            <a:pPr marL="986155" indent="-342900">
+              <a:spcBef>
+                <a:spcPts val="1815"/>
+              </a:spcBef>
+              <a:buFont typeface="Arial" panose="020B0604020202020204" pitchFamily="34" charset="0"/>
+              <a:buChar char="•"/>
+            </a:pPr>
+            <a:r>
+              <a:rPr lang="es-ES" sz="2500" b="1" dirty="0">
+                <a:latin typeface="Times New Roman"/>
+                <a:cs typeface="Times New Roman"/>
+              </a:rPr>
+              <a:t>Instancias</a:t>
+            </a:r>
+            <a:r>
+              <a:rPr lang="es-ES" sz="2500" b="1" spc="-15" dirty="0">
+                <a:latin typeface="Times New Roman"/>
+                <a:cs typeface="Times New Roman"/>
+              </a:rPr>
+              <a:t> </a:t>
+            </a:r>
+            <a:r>
+              <a:rPr lang="es-ES" sz="2500" b="1" dirty="0">
+                <a:latin typeface="Times New Roman"/>
+                <a:cs typeface="Times New Roman"/>
+              </a:rPr>
+              <a:t>de</a:t>
+            </a:r>
+            <a:r>
+              <a:rPr lang="es-ES" sz="2500" b="1" spc="-55" dirty="0">
+                <a:latin typeface="Times New Roman"/>
+                <a:cs typeface="Times New Roman"/>
+              </a:rPr>
+              <a:t> </a:t>
+            </a:r>
+            <a:r>
+              <a:rPr lang="es-ES" sz="2500" b="1" spc="-25" dirty="0">
+                <a:latin typeface="Times New Roman"/>
+                <a:cs typeface="Times New Roman"/>
+              </a:rPr>
+              <a:t>Tareas:</a:t>
+            </a:r>
+            <a:r>
+              <a:rPr lang="es-ES" sz="2500" b="1" spc="-15" dirty="0">
+                <a:latin typeface="Times New Roman"/>
+                <a:cs typeface="Times New Roman"/>
+              </a:rPr>
+              <a:t> </a:t>
+            </a:r>
+            <a:r>
+              <a:rPr lang="es-ES" sz="2500" dirty="0"/>
+              <a:t>Ejecuciones</a:t>
+            </a:r>
+            <a:r>
+              <a:rPr lang="es-ES" sz="2500" spc="-10" dirty="0"/>
+              <a:t> </a:t>
+            </a:r>
+            <a:r>
+              <a:rPr lang="es-ES" sz="2500" dirty="0"/>
+              <a:t>específicas</a:t>
+            </a:r>
+            <a:r>
+              <a:rPr lang="es-ES" sz="2500" spc="-15" dirty="0"/>
+              <a:t> </a:t>
+            </a:r>
+            <a:r>
+              <a:rPr lang="es-ES" sz="2500" dirty="0"/>
+              <a:t>de</a:t>
+            </a:r>
+            <a:r>
+              <a:rPr lang="es-ES" sz="2500" spc="-10" dirty="0"/>
+              <a:t> </a:t>
+            </a:r>
+            <a:r>
+              <a:rPr lang="es-ES" sz="2500" dirty="0"/>
+              <a:t>tareas</a:t>
+            </a:r>
+            <a:r>
+              <a:rPr lang="es-ES" sz="2500" spc="-15" dirty="0"/>
+              <a:t> </a:t>
+            </a:r>
+            <a:r>
+              <a:rPr lang="es-ES" sz="2500" dirty="0"/>
+              <a:t>en</a:t>
+            </a:r>
+            <a:r>
+              <a:rPr lang="es-ES" sz="2500" spc="-10" dirty="0"/>
+              <a:t> </a:t>
+            </a:r>
+            <a:r>
+              <a:rPr lang="es-ES" sz="2500" dirty="0"/>
+              <a:t>un</a:t>
+            </a:r>
+            <a:r>
+              <a:rPr lang="es-ES" sz="2500" spc="-10" dirty="0"/>
+              <a:t> momento determinado</a:t>
+            </a:r>
+            <a:endParaRPr lang="es-ES" sz="2500" dirty="0">
+              <a:latin typeface="Times New Roman"/>
+              <a:cs typeface="Times New Roman"/>
+            </a:endParaRPr>
+          </a:p>
+          <a:p>
+            <a:pPr marL="643255">
+              <a:lnSpc>
+                <a:spcPct val="100000"/>
+              </a:lnSpc>
+              <a:spcBef>
+                <a:spcPts val="1815"/>
+              </a:spcBef>
+            </a:pPr>
+            <a:endParaRPr sz="2500" dirty="0">
+              <a:latin typeface="Times New Roman"/>
+              <a:cs typeface="Times New Roman"/>
+            </a:endParaRPr>
+          </a:p>
+        </p:txBody>
+      </p:sp>
+      <p:sp>
+        <p:nvSpPr>
           <p:cNvPr id="2" name="object 2"/>
           <p:cNvSpPr txBox="1">
             <a:spLocks noGrp="1"/>
@@ -18292,554 +18718,6 @@
               <a:rPr spc="-10" dirty="0"/>
               <a:t>Airflow</a:t>
             </a:r>
-          </a:p>
-        </p:txBody>
-      </p:sp>
-      <p:pic>
-        <p:nvPicPr>
-          <p:cNvPr id="3" name="object 3"/>
-          <p:cNvPicPr/>
-          <p:nvPr/>
-        </p:nvPicPr>
-        <p:blipFill>
-          <a:blip r:embed="rId2" cstate="print"/>
-          <a:stretch>
-            <a:fillRect/>
-          </a:stretch>
-        </p:blipFill>
-        <p:spPr>
-          <a:xfrm>
-            <a:off x="1002410" y="1801272"/>
-            <a:ext cx="97440" cy="97440"/>
-          </a:xfrm>
-          <a:prstGeom prst="rect">
-            <a:avLst/>
-          </a:prstGeom>
-        </p:spPr>
-      </p:pic>
-      <p:pic>
-        <p:nvPicPr>
-          <p:cNvPr id="4" name="object 4"/>
-          <p:cNvPicPr/>
-          <p:nvPr/>
-        </p:nvPicPr>
-        <p:blipFill>
-          <a:blip r:embed="rId3" cstate="print"/>
-          <a:stretch>
-            <a:fillRect/>
-          </a:stretch>
-        </p:blipFill>
-        <p:spPr>
-          <a:xfrm>
-            <a:off x="1002410" y="2855404"/>
-            <a:ext cx="97440" cy="97440"/>
-          </a:xfrm>
-          <a:prstGeom prst="rect">
-            <a:avLst/>
-          </a:prstGeom>
-        </p:spPr>
-      </p:pic>
-      <p:pic>
-        <p:nvPicPr>
-          <p:cNvPr id="5" name="object 5"/>
-          <p:cNvPicPr/>
-          <p:nvPr/>
-        </p:nvPicPr>
-        <p:blipFill>
-          <a:blip r:embed="rId2" cstate="print"/>
-          <a:stretch>
-            <a:fillRect/>
-          </a:stretch>
-        </p:blipFill>
-        <p:spPr>
-          <a:xfrm>
-            <a:off x="1002410" y="3457765"/>
-            <a:ext cx="97440" cy="97440"/>
-          </a:xfrm>
-          <a:prstGeom prst="rect">
-            <a:avLst/>
-          </a:prstGeom>
-        </p:spPr>
-      </p:pic>
-      <p:pic>
-        <p:nvPicPr>
-          <p:cNvPr id="6" name="object 6"/>
-          <p:cNvPicPr/>
-          <p:nvPr/>
-        </p:nvPicPr>
-        <p:blipFill>
-          <a:blip r:embed="rId3" cstate="print"/>
-          <a:stretch>
-            <a:fillRect/>
-          </a:stretch>
-        </p:blipFill>
-        <p:spPr>
-          <a:xfrm>
-            <a:off x="1002410" y="4068984"/>
-            <a:ext cx="97440" cy="97440"/>
-          </a:xfrm>
-          <a:prstGeom prst="rect">
-            <a:avLst/>
-          </a:prstGeom>
-        </p:spPr>
-      </p:pic>
-      <p:pic>
-        <p:nvPicPr>
-          <p:cNvPr id="7" name="object 7"/>
-          <p:cNvPicPr/>
-          <p:nvPr/>
-        </p:nvPicPr>
-        <p:blipFill>
-          <a:blip r:embed="rId3" cstate="print"/>
-          <a:stretch>
-            <a:fillRect/>
-          </a:stretch>
-        </p:blipFill>
-        <p:spPr>
-          <a:xfrm>
-            <a:off x="1002410" y="5123116"/>
-            <a:ext cx="97440" cy="97440"/>
-          </a:xfrm>
-          <a:prstGeom prst="rect">
-            <a:avLst/>
-          </a:prstGeom>
-        </p:spPr>
-      </p:pic>
-      <p:sp>
-        <p:nvSpPr>
-          <p:cNvPr id="8" name="object 8"/>
-          <p:cNvSpPr txBox="1">
-            <a:spLocks noGrp="1"/>
-          </p:cNvSpPr>
-          <p:nvPr>
-            <p:ph type="body" idx="1"/>
-          </p:nvPr>
-        </p:nvSpPr>
-        <p:spPr>
-          <a:xfrm>
-            <a:off x="607060" y="1264164"/>
-            <a:ext cx="10215879" cy="4088958"/>
-          </a:xfrm>
-          <a:prstGeom prst="rect">
-            <a:avLst/>
-          </a:prstGeom>
-        </p:spPr>
-        <p:txBody>
-          <a:bodyPr vert="horz" wrap="square" lIns="0" tIns="290213" rIns="0" bIns="0" rtlCol="0">
-            <a:spAutoFit/>
-          </a:bodyPr>
-          <a:lstStyle/>
-          <a:p>
-            <a:pPr marL="643255" marR="532130">
-              <a:lnSpc>
-                <a:spcPct val="118600"/>
-              </a:lnSpc>
-              <a:spcBef>
-                <a:spcPts val="95"/>
-              </a:spcBef>
-            </a:pPr>
-            <a:r>
-              <a:rPr sz="2500" b="1" dirty="0">
-                <a:latin typeface="Times New Roman"/>
-                <a:cs typeface="Times New Roman"/>
-              </a:rPr>
-              <a:t>DAG</a:t>
-            </a:r>
-            <a:r>
-              <a:rPr sz="2500" b="1" spc="5" dirty="0">
-                <a:latin typeface="Times New Roman"/>
-                <a:cs typeface="Times New Roman"/>
-              </a:rPr>
-              <a:t> </a:t>
-            </a:r>
-            <a:r>
-              <a:rPr sz="2500" b="1" spc="-10" dirty="0">
-                <a:latin typeface="Times New Roman"/>
-                <a:cs typeface="Times New Roman"/>
-              </a:rPr>
-              <a:t>(Directed</a:t>
-            </a:r>
-            <a:r>
-              <a:rPr sz="2500" b="1" spc="-140" dirty="0">
-                <a:latin typeface="Times New Roman"/>
-                <a:cs typeface="Times New Roman"/>
-              </a:rPr>
-              <a:t> </a:t>
-            </a:r>
-            <a:r>
-              <a:rPr sz="2500" b="1" dirty="0">
-                <a:latin typeface="Times New Roman"/>
-                <a:cs typeface="Times New Roman"/>
-              </a:rPr>
-              <a:t>Acyclic</a:t>
-            </a:r>
-            <a:r>
-              <a:rPr sz="2500" b="1" spc="5" dirty="0">
-                <a:latin typeface="Times New Roman"/>
-                <a:cs typeface="Times New Roman"/>
-              </a:rPr>
-              <a:t> </a:t>
-            </a:r>
-            <a:r>
-              <a:rPr sz="2500" b="1" dirty="0">
-                <a:latin typeface="Times New Roman"/>
-                <a:cs typeface="Times New Roman"/>
-              </a:rPr>
-              <a:t>Graph):</a:t>
-            </a:r>
-            <a:r>
-              <a:rPr sz="2500" b="1" spc="5" dirty="0">
-                <a:latin typeface="Times New Roman"/>
-                <a:cs typeface="Times New Roman"/>
-              </a:rPr>
-              <a:t> </a:t>
-            </a:r>
-            <a:r>
-              <a:rPr sz="2500" dirty="0"/>
-              <a:t>Representación</a:t>
-            </a:r>
-            <a:r>
-              <a:rPr sz="2500" spc="5" dirty="0"/>
-              <a:t> </a:t>
-            </a:r>
-            <a:r>
-              <a:rPr sz="2500" dirty="0"/>
-              <a:t>del</a:t>
-            </a:r>
-            <a:r>
-              <a:rPr sz="2500" spc="5" dirty="0"/>
-              <a:t> </a:t>
-            </a:r>
-            <a:r>
-              <a:rPr sz="2500" dirty="0"/>
-              <a:t>flujo</a:t>
-            </a:r>
-            <a:r>
-              <a:rPr sz="2500" spc="5" dirty="0"/>
-              <a:t> </a:t>
-            </a:r>
-            <a:r>
-              <a:rPr sz="2500" dirty="0"/>
-              <a:t>de</a:t>
-            </a:r>
-            <a:r>
-              <a:rPr sz="2500" spc="10" dirty="0"/>
-              <a:t> </a:t>
-            </a:r>
-            <a:r>
-              <a:rPr sz="2500" spc="-10" dirty="0"/>
-              <a:t>trabajo completo</a:t>
-            </a:r>
-            <a:endParaRPr sz="2500" dirty="0">
-              <a:latin typeface="Times New Roman"/>
-              <a:cs typeface="Times New Roman"/>
-            </a:endParaRPr>
-          </a:p>
-          <a:p>
-            <a:pPr marL="643255">
-              <a:lnSpc>
-                <a:spcPct val="100000"/>
-              </a:lnSpc>
-              <a:spcBef>
-                <a:spcPts val="1745"/>
-              </a:spcBef>
-            </a:pPr>
-            <a:r>
-              <a:rPr lang="es-ES" sz="2500" b="1" dirty="0" err="1">
-                <a:latin typeface="Times New Roman"/>
-                <a:cs typeface="Times New Roman"/>
-              </a:rPr>
-              <a:t>Operators</a:t>
-            </a:r>
-            <a:r>
-              <a:rPr sz="2500" b="1" dirty="0">
-                <a:latin typeface="Times New Roman"/>
-                <a:cs typeface="Times New Roman"/>
-              </a:rPr>
-              <a:t>:</a:t>
-            </a:r>
-            <a:r>
-              <a:rPr sz="2500" b="1" spc="-10" dirty="0">
-                <a:latin typeface="Times New Roman"/>
-                <a:cs typeface="Times New Roman"/>
-              </a:rPr>
-              <a:t> </a:t>
-            </a:r>
-            <a:r>
-              <a:rPr sz="2500" dirty="0"/>
-              <a:t>Plantillas</a:t>
-            </a:r>
-            <a:r>
-              <a:rPr sz="2500" spc="-10" dirty="0"/>
-              <a:t> </a:t>
-            </a:r>
-            <a:r>
-              <a:rPr sz="2500" dirty="0"/>
-              <a:t>predefinidas</a:t>
-            </a:r>
-            <a:r>
-              <a:rPr sz="2500" spc="-5" dirty="0"/>
-              <a:t> </a:t>
-            </a:r>
-            <a:r>
-              <a:rPr sz="2500" dirty="0"/>
-              <a:t>para</a:t>
-            </a:r>
-            <a:r>
-              <a:rPr sz="2500" spc="-10" dirty="0"/>
-              <a:t> </a:t>
-            </a:r>
-            <a:r>
-              <a:rPr sz="2500" dirty="0"/>
-              <a:t>ejecutar</a:t>
-            </a:r>
-            <a:r>
-              <a:rPr sz="2500" spc="-10" dirty="0"/>
-              <a:t> </a:t>
-            </a:r>
-            <a:r>
-              <a:rPr sz="2500" dirty="0"/>
-              <a:t>tareas</a:t>
-            </a:r>
-            <a:r>
-              <a:rPr sz="2500" spc="-5" dirty="0"/>
-              <a:t> </a:t>
-            </a:r>
-            <a:r>
-              <a:rPr sz="2500" spc="-10" dirty="0"/>
-              <a:t>específicas</a:t>
-            </a:r>
-            <a:endParaRPr sz="2500" dirty="0">
-              <a:latin typeface="Times New Roman"/>
-              <a:cs typeface="Times New Roman"/>
-            </a:endParaRPr>
-          </a:p>
-          <a:p>
-            <a:pPr marL="643255">
-              <a:lnSpc>
-                <a:spcPct val="100000"/>
-              </a:lnSpc>
-              <a:spcBef>
-                <a:spcPts val="1739"/>
-              </a:spcBef>
-            </a:pPr>
-            <a:r>
-              <a:rPr lang="es-ES" sz="2500" b="1" spc="-25" dirty="0" err="1">
-                <a:latin typeface="Times New Roman"/>
-                <a:cs typeface="Times New Roman"/>
-              </a:rPr>
-              <a:t>Task</a:t>
-            </a:r>
-            <a:r>
-              <a:rPr sz="2500" b="1" spc="-25" dirty="0">
-                <a:latin typeface="Times New Roman"/>
-                <a:cs typeface="Times New Roman"/>
-              </a:rPr>
-              <a:t>:</a:t>
-            </a:r>
-            <a:r>
-              <a:rPr sz="2500" b="1" spc="-30" dirty="0">
-                <a:latin typeface="Times New Roman"/>
-                <a:cs typeface="Times New Roman"/>
-              </a:rPr>
-              <a:t> </a:t>
-            </a:r>
-            <a:r>
-              <a:rPr sz="2500" dirty="0"/>
-              <a:t>Instancias</a:t>
-            </a:r>
-            <a:r>
-              <a:rPr sz="2500" spc="-25" dirty="0"/>
-              <a:t> </a:t>
-            </a:r>
-            <a:r>
-              <a:rPr sz="2500" dirty="0"/>
-              <a:t>parametrizadas</a:t>
-            </a:r>
-            <a:r>
-              <a:rPr sz="2500" spc="-30" dirty="0"/>
-              <a:t> </a:t>
-            </a:r>
-            <a:r>
-              <a:rPr sz="2500" dirty="0"/>
-              <a:t>de</a:t>
-            </a:r>
-            <a:r>
-              <a:rPr sz="2500" spc="-25" dirty="0"/>
-              <a:t> </a:t>
-            </a:r>
-            <a:r>
-              <a:rPr sz="2500" spc="-10" dirty="0"/>
-              <a:t>operadores</a:t>
-            </a:r>
-            <a:endParaRPr sz="2500" dirty="0">
-              <a:latin typeface="Times New Roman"/>
-              <a:cs typeface="Times New Roman"/>
-            </a:endParaRPr>
-          </a:p>
-          <a:p>
-            <a:pPr marL="643255" marR="150495">
-              <a:lnSpc>
-                <a:spcPct val="116300"/>
-              </a:lnSpc>
-              <a:spcBef>
-                <a:spcPts val="1325"/>
-              </a:spcBef>
-            </a:pPr>
-            <a:r>
-              <a:rPr sz="2500" b="1" dirty="0">
-                <a:latin typeface="Times New Roman"/>
-                <a:cs typeface="Times New Roman"/>
-              </a:rPr>
-              <a:t>Instancias</a:t>
-            </a:r>
-            <a:r>
-              <a:rPr sz="2500" b="1" spc="-15" dirty="0">
-                <a:latin typeface="Times New Roman"/>
-                <a:cs typeface="Times New Roman"/>
-              </a:rPr>
-              <a:t> </a:t>
-            </a:r>
-            <a:r>
-              <a:rPr sz="2500" b="1" dirty="0">
-                <a:latin typeface="Times New Roman"/>
-                <a:cs typeface="Times New Roman"/>
-              </a:rPr>
-              <a:t>de</a:t>
-            </a:r>
-            <a:r>
-              <a:rPr sz="2500" b="1" spc="-55" dirty="0">
-                <a:latin typeface="Times New Roman"/>
-                <a:cs typeface="Times New Roman"/>
-              </a:rPr>
-              <a:t> </a:t>
-            </a:r>
-            <a:r>
-              <a:rPr sz="2500" b="1" spc="-25" dirty="0">
-                <a:latin typeface="Times New Roman"/>
-                <a:cs typeface="Times New Roman"/>
-              </a:rPr>
-              <a:t>Tareas:</a:t>
-            </a:r>
-            <a:r>
-              <a:rPr sz="2500" b="1" spc="-15" dirty="0">
-                <a:latin typeface="Times New Roman"/>
-                <a:cs typeface="Times New Roman"/>
-              </a:rPr>
-              <a:t> </a:t>
-            </a:r>
-            <a:r>
-              <a:rPr sz="2500" dirty="0"/>
-              <a:t>Ejecuciones</a:t>
-            </a:r>
-            <a:r>
-              <a:rPr sz="2500" spc="-10" dirty="0"/>
-              <a:t> </a:t>
-            </a:r>
-            <a:r>
-              <a:rPr sz="2500" dirty="0"/>
-              <a:t>específicas</a:t>
-            </a:r>
-            <a:r>
-              <a:rPr sz="2500" spc="-15" dirty="0"/>
-              <a:t> </a:t>
-            </a:r>
-            <a:r>
-              <a:rPr sz="2500" dirty="0"/>
-              <a:t>de</a:t>
-            </a:r>
-            <a:r>
-              <a:rPr sz="2500" spc="-10" dirty="0"/>
-              <a:t> </a:t>
-            </a:r>
-            <a:r>
-              <a:rPr sz="2500" dirty="0"/>
-              <a:t>tareas</a:t>
-            </a:r>
-            <a:r>
-              <a:rPr sz="2500" spc="-15" dirty="0"/>
-              <a:t> </a:t>
-            </a:r>
-            <a:r>
-              <a:rPr sz="2500" dirty="0"/>
-              <a:t>en</a:t>
-            </a:r>
-            <a:r>
-              <a:rPr sz="2500" spc="-10" dirty="0"/>
-              <a:t> </a:t>
-            </a:r>
-            <a:r>
-              <a:rPr sz="2500" dirty="0"/>
-              <a:t>un</a:t>
-            </a:r>
-            <a:r>
-              <a:rPr sz="2500" spc="-10" dirty="0"/>
-              <a:t> momento determinado</a:t>
-            </a:r>
-            <a:endParaRPr sz="2500" dirty="0">
-              <a:latin typeface="Times New Roman"/>
-              <a:cs typeface="Times New Roman"/>
-            </a:endParaRPr>
-          </a:p>
-          <a:p>
-            <a:pPr marL="643255">
-              <a:lnSpc>
-                <a:spcPct val="100000"/>
-              </a:lnSpc>
-              <a:spcBef>
-                <a:spcPts val="1815"/>
-              </a:spcBef>
-            </a:pPr>
-            <a:r>
-              <a:rPr sz="2500" b="1" dirty="0">
-                <a:latin typeface="Times New Roman"/>
-                <a:cs typeface="Times New Roman"/>
-              </a:rPr>
-              <a:t>Dependencias:</a:t>
-            </a:r>
-            <a:r>
-              <a:rPr sz="2500" b="1" spc="-5" dirty="0">
-                <a:latin typeface="Times New Roman"/>
-                <a:cs typeface="Times New Roman"/>
-              </a:rPr>
-              <a:t> </a:t>
-            </a:r>
-            <a:r>
-              <a:rPr sz="2500" dirty="0"/>
-              <a:t>Relaciones entre</a:t>
-            </a:r>
-            <a:r>
-              <a:rPr sz="2500" spc="-5" dirty="0"/>
-              <a:t> </a:t>
-            </a:r>
-            <a:r>
-              <a:rPr sz="2500" dirty="0"/>
-              <a:t>tareas que</a:t>
-            </a:r>
-            <a:r>
-              <a:rPr sz="2500" spc="-5" dirty="0"/>
-              <a:t> </a:t>
-            </a:r>
-            <a:r>
-              <a:rPr sz="2500" dirty="0"/>
-              <a:t>definen el orden</a:t>
-            </a:r>
-            <a:r>
-              <a:rPr sz="2500" spc="-5" dirty="0"/>
-              <a:t> </a:t>
-            </a:r>
-            <a:r>
-              <a:rPr sz="2500" dirty="0"/>
-              <a:t>de </a:t>
-            </a:r>
-            <a:r>
-              <a:rPr sz="2500" spc="-10" dirty="0"/>
-              <a:t>ejecución</a:t>
-            </a:r>
-            <a:endParaRPr sz="2500" dirty="0">
-              <a:latin typeface="Times New Roman"/>
-              <a:cs typeface="Times New Roman"/>
-            </a:endParaRPr>
           </a:p>
         </p:txBody>
       </p:sp>
